--- a/isManagement/Paul/IS3S661 Lecture 16- Lean Thinking.pptx
+++ b/isManagement/Paul/IS3S661 Lecture 16- Lean Thinking.pptx
@@ -242,7 +242,7 @@
             <a:fld id="{4C6DE6C4-B2B2-4516-9B2C-48EB35EF0659}" type="datetimeFigureOut">
               <a:rPr lang="en-GB" smtClean="0"/>
               <a:pPr/>
-              <a:t>17/01/2020</a:t>
+              <a:t>13/02/2020</a:t>
             </a:fld>
             <a:endParaRPr lang="en-GB"/>
           </a:p>
@@ -308,35 +308,35 @@
           <a:p>
             <a:pPr lvl="0"/>
             <a:r>
-              <a:rPr lang="en-US" smtClean="0"/>
+              <a:rPr lang="en-US"/>
               <a:t>Click to edit Master text styles</a:t>
             </a:r>
           </a:p>
           <a:p>
             <a:pPr lvl="1"/>
             <a:r>
-              <a:rPr lang="en-US" smtClean="0"/>
+              <a:rPr lang="en-US"/>
               <a:t>Second level</a:t>
             </a:r>
           </a:p>
           <a:p>
             <a:pPr lvl="2"/>
             <a:r>
-              <a:rPr lang="en-US" smtClean="0"/>
+              <a:rPr lang="en-US"/>
               <a:t>Third level</a:t>
             </a:r>
           </a:p>
           <a:p>
             <a:pPr lvl="3"/>
             <a:r>
-              <a:rPr lang="en-US" smtClean="0"/>
+              <a:rPr lang="en-US"/>
               <a:t>Fourth level</a:t>
             </a:r>
           </a:p>
           <a:p>
             <a:pPr lvl="4"/>
             <a:r>
-              <a:rPr lang="en-US" smtClean="0"/>
+              <a:rPr lang="en-US"/>
               <a:t>Fifth level</a:t>
             </a:r>
             <a:endParaRPr lang="en-GB"/>
@@ -692,7 +692,7 @@
           <a:lstStyle/>
           <a:p>
             <a:r>
-              <a:rPr lang="en-US" smtClean="0"/>
+              <a:rPr lang="en-US"/>
               <a:t>Click to edit Master title style</a:t>
             </a:r>
             <a:endParaRPr lang="en-GB"/>
@@ -811,7 +811,7 @@
           </a:lstStyle>
           <a:p>
             <a:r>
-              <a:rPr lang="en-US" smtClean="0"/>
+              <a:rPr lang="en-US"/>
               <a:t>Click to edit Master subtitle style</a:t>
             </a:r>
             <a:endParaRPr lang="en-GB"/>
@@ -836,7 +836,7 @@
             <a:fld id="{10E84F59-31D6-4521-A2A7-178D98CB1301}" type="datetimeFigureOut">
               <a:rPr lang="en-GB" smtClean="0"/>
               <a:pPr/>
-              <a:t>17/01/2020</a:t>
+              <a:t>13/02/2020</a:t>
             </a:fld>
             <a:endParaRPr lang="en-GB"/>
           </a:p>
@@ -926,7 +926,7 @@
           <a:lstStyle/>
           <a:p>
             <a:r>
-              <a:rPr lang="en-US" smtClean="0"/>
+              <a:rPr lang="en-US"/>
               <a:t>Click to edit Master title style</a:t>
             </a:r>
             <a:endParaRPr lang="en-GB"/>
@@ -950,35 +950,35 @@
           <a:p>
             <a:pPr lvl="0"/>
             <a:r>
-              <a:rPr lang="en-US" smtClean="0"/>
+              <a:rPr lang="en-US"/>
               <a:t>Click to edit Master text styles</a:t>
             </a:r>
           </a:p>
           <a:p>
             <a:pPr lvl="1"/>
             <a:r>
-              <a:rPr lang="en-US" smtClean="0"/>
+              <a:rPr lang="en-US"/>
               <a:t>Second level</a:t>
             </a:r>
           </a:p>
           <a:p>
             <a:pPr lvl="2"/>
             <a:r>
-              <a:rPr lang="en-US" smtClean="0"/>
+              <a:rPr lang="en-US"/>
               <a:t>Third level</a:t>
             </a:r>
           </a:p>
           <a:p>
             <a:pPr lvl="3"/>
             <a:r>
-              <a:rPr lang="en-US" smtClean="0"/>
+              <a:rPr lang="en-US"/>
               <a:t>Fourth level</a:t>
             </a:r>
           </a:p>
           <a:p>
             <a:pPr lvl="4"/>
             <a:r>
-              <a:rPr lang="en-US" smtClean="0"/>
+              <a:rPr lang="en-US"/>
               <a:t>Fifth level</a:t>
             </a:r>
             <a:endParaRPr lang="en-GB"/>
@@ -1003,7 +1003,7 @@
             <a:fld id="{10E84F59-31D6-4521-A2A7-178D98CB1301}" type="datetimeFigureOut">
               <a:rPr lang="en-GB" smtClean="0"/>
               <a:pPr/>
-              <a:t>17/01/2020</a:t>
+              <a:t>13/02/2020</a:t>
             </a:fld>
             <a:endParaRPr lang="en-GB"/>
           </a:p>
@@ -1098,7 +1098,7 @@
           <a:lstStyle/>
           <a:p>
             <a:r>
-              <a:rPr lang="en-US" smtClean="0"/>
+              <a:rPr lang="en-US"/>
               <a:t>Click to edit Master title style</a:t>
             </a:r>
             <a:endParaRPr lang="en-GB"/>
@@ -1127,35 +1127,35 @@
           <a:p>
             <a:pPr lvl="0"/>
             <a:r>
-              <a:rPr lang="en-US" smtClean="0"/>
+              <a:rPr lang="en-US"/>
               <a:t>Click to edit Master text styles</a:t>
             </a:r>
           </a:p>
           <a:p>
             <a:pPr lvl="1"/>
             <a:r>
-              <a:rPr lang="en-US" smtClean="0"/>
+              <a:rPr lang="en-US"/>
               <a:t>Second level</a:t>
             </a:r>
           </a:p>
           <a:p>
             <a:pPr lvl="2"/>
             <a:r>
-              <a:rPr lang="en-US" smtClean="0"/>
+              <a:rPr lang="en-US"/>
               <a:t>Third level</a:t>
             </a:r>
           </a:p>
           <a:p>
             <a:pPr lvl="3"/>
             <a:r>
-              <a:rPr lang="en-US" smtClean="0"/>
+              <a:rPr lang="en-US"/>
               <a:t>Fourth level</a:t>
             </a:r>
           </a:p>
           <a:p>
             <a:pPr lvl="4"/>
             <a:r>
-              <a:rPr lang="en-US" smtClean="0"/>
+              <a:rPr lang="en-US"/>
               <a:t>Fifth level</a:t>
             </a:r>
             <a:endParaRPr lang="en-GB"/>
@@ -1180,7 +1180,7 @@
             <a:fld id="{10E84F59-31D6-4521-A2A7-178D98CB1301}" type="datetimeFigureOut">
               <a:rPr lang="en-GB" smtClean="0"/>
               <a:pPr/>
-              <a:t>17/01/2020</a:t>
+              <a:t>13/02/2020</a:t>
             </a:fld>
             <a:endParaRPr lang="en-GB"/>
           </a:p>
@@ -1270,7 +1270,7 @@
           <a:lstStyle/>
           <a:p>
             <a:r>
-              <a:rPr lang="en-US" smtClean="0"/>
+              <a:rPr lang="en-US"/>
               <a:t>Click to edit Master title style</a:t>
             </a:r>
             <a:endParaRPr lang="en-GB"/>
@@ -1294,35 +1294,35 @@
           <a:p>
             <a:pPr lvl="0"/>
             <a:r>
-              <a:rPr lang="en-US" smtClean="0"/>
+              <a:rPr lang="en-US"/>
               <a:t>Click to edit Master text styles</a:t>
             </a:r>
           </a:p>
           <a:p>
             <a:pPr lvl="1"/>
             <a:r>
-              <a:rPr lang="en-US" smtClean="0"/>
+              <a:rPr lang="en-US"/>
               <a:t>Second level</a:t>
             </a:r>
           </a:p>
           <a:p>
             <a:pPr lvl="2"/>
             <a:r>
-              <a:rPr lang="en-US" smtClean="0"/>
+              <a:rPr lang="en-US"/>
               <a:t>Third level</a:t>
             </a:r>
           </a:p>
           <a:p>
             <a:pPr lvl="3"/>
             <a:r>
-              <a:rPr lang="en-US" smtClean="0"/>
+              <a:rPr lang="en-US"/>
               <a:t>Fourth level</a:t>
             </a:r>
           </a:p>
           <a:p>
             <a:pPr lvl="4"/>
             <a:r>
-              <a:rPr lang="en-US" smtClean="0"/>
+              <a:rPr lang="en-US"/>
               <a:t>Fifth level</a:t>
             </a:r>
             <a:endParaRPr lang="en-GB"/>
@@ -1347,7 +1347,7 @@
             <a:fld id="{10E84F59-31D6-4521-A2A7-178D98CB1301}" type="datetimeFigureOut">
               <a:rPr lang="en-GB" smtClean="0"/>
               <a:pPr/>
-              <a:t>17/01/2020</a:t>
+              <a:t>13/02/2020</a:t>
             </a:fld>
             <a:endParaRPr lang="en-GB"/>
           </a:p>
@@ -1446,7 +1446,7 @@
           </a:lstStyle>
           <a:p>
             <a:r>
-              <a:rPr lang="en-US" smtClean="0"/>
+              <a:rPr lang="en-US"/>
               <a:t>Click to edit Master title style</a:t>
             </a:r>
             <a:endParaRPr lang="en-GB"/>
@@ -1566,7 +1566,7 @@
           <a:p>
             <a:pPr lvl="0"/>
             <a:r>
-              <a:rPr lang="en-US" smtClean="0"/>
+              <a:rPr lang="en-US"/>
               <a:t>Click to edit Master text styles</a:t>
             </a:r>
           </a:p>
@@ -1590,7 +1590,7 @@
             <a:fld id="{10E84F59-31D6-4521-A2A7-178D98CB1301}" type="datetimeFigureOut">
               <a:rPr lang="en-GB" smtClean="0"/>
               <a:pPr/>
-              <a:t>17/01/2020</a:t>
+              <a:t>13/02/2020</a:t>
             </a:fld>
             <a:endParaRPr lang="en-GB"/>
           </a:p>
@@ -1680,7 +1680,7 @@
           <a:lstStyle/>
           <a:p>
             <a:r>
-              <a:rPr lang="en-US" smtClean="0"/>
+              <a:rPr lang="en-US"/>
               <a:t>Click to edit Master title style</a:t>
             </a:r>
             <a:endParaRPr lang="en-GB"/>
@@ -1737,35 +1737,35 @@
           <a:p>
             <a:pPr lvl="0"/>
             <a:r>
-              <a:rPr lang="en-US" smtClean="0"/>
+              <a:rPr lang="en-US"/>
               <a:t>Click to edit Master text styles</a:t>
             </a:r>
           </a:p>
           <a:p>
             <a:pPr lvl="1"/>
             <a:r>
-              <a:rPr lang="en-US" smtClean="0"/>
+              <a:rPr lang="en-US"/>
               <a:t>Second level</a:t>
             </a:r>
           </a:p>
           <a:p>
             <a:pPr lvl="2"/>
             <a:r>
-              <a:rPr lang="en-US" smtClean="0"/>
+              <a:rPr lang="en-US"/>
               <a:t>Third level</a:t>
             </a:r>
           </a:p>
           <a:p>
             <a:pPr lvl="3"/>
             <a:r>
-              <a:rPr lang="en-US" smtClean="0"/>
+              <a:rPr lang="en-US"/>
               <a:t>Fourth level</a:t>
             </a:r>
           </a:p>
           <a:p>
             <a:pPr lvl="4"/>
             <a:r>
-              <a:rPr lang="en-US" smtClean="0"/>
+              <a:rPr lang="en-US"/>
               <a:t>Fifth level</a:t>
             </a:r>
             <a:endParaRPr lang="en-GB"/>
@@ -1822,35 +1822,35 @@
           <a:p>
             <a:pPr lvl="0"/>
             <a:r>
-              <a:rPr lang="en-US" smtClean="0"/>
+              <a:rPr lang="en-US"/>
               <a:t>Click to edit Master text styles</a:t>
             </a:r>
           </a:p>
           <a:p>
             <a:pPr lvl="1"/>
             <a:r>
-              <a:rPr lang="en-US" smtClean="0"/>
+              <a:rPr lang="en-US"/>
               <a:t>Second level</a:t>
             </a:r>
           </a:p>
           <a:p>
             <a:pPr lvl="2"/>
             <a:r>
-              <a:rPr lang="en-US" smtClean="0"/>
+              <a:rPr lang="en-US"/>
               <a:t>Third level</a:t>
             </a:r>
           </a:p>
           <a:p>
             <a:pPr lvl="3"/>
             <a:r>
-              <a:rPr lang="en-US" smtClean="0"/>
+              <a:rPr lang="en-US"/>
               <a:t>Fourth level</a:t>
             </a:r>
           </a:p>
           <a:p>
             <a:pPr lvl="4"/>
             <a:r>
-              <a:rPr lang="en-US" smtClean="0"/>
+              <a:rPr lang="en-US"/>
               <a:t>Fifth level</a:t>
             </a:r>
             <a:endParaRPr lang="en-GB"/>
@@ -1875,7 +1875,7 @@
             <a:fld id="{10E84F59-31D6-4521-A2A7-178D98CB1301}" type="datetimeFigureOut">
               <a:rPr lang="en-GB" smtClean="0"/>
               <a:pPr/>
-              <a:t>17/01/2020</a:t>
+              <a:t>13/02/2020</a:t>
             </a:fld>
             <a:endParaRPr lang="en-GB"/>
           </a:p>
@@ -1969,7 +1969,7 @@
           </a:lstStyle>
           <a:p>
             <a:r>
-              <a:rPr lang="en-US" smtClean="0"/>
+              <a:rPr lang="en-US"/>
               <a:t>Click to edit Master title style</a:t>
             </a:r>
             <a:endParaRPr lang="en-GB"/>
@@ -2035,7 +2035,7 @@
           <a:p>
             <a:pPr lvl="0"/>
             <a:r>
-              <a:rPr lang="en-US" smtClean="0"/>
+              <a:rPr lang="en-US"/>
               <a:t>Click to edit Master text styles</a:t>
             </a:r>
           </a:p>
@@ -2091,35 +2091,35 @@
           <a:p>
             <a:pPr lvl="0"/>
             <a:r>
-              <a:rPr lang="en-US" smtClean="0"/>
+              <a:rPr lang="en-US"/>
               <a:t>Click to edit Master text styles</a:t>
             </a:r>
           </a:p>
           <a:p>
             <a:pPr lvl="1"/>
             <a:r>
-              <a:rPr lang="en-US" smtClean="0"/>
+              <a:rPr lang="en-US"/>
               <a:t>Second level</a:t>
             </a:r>
           </a:p>
           <a:p>
             <a:pPr lvl="2"/>
             <a:r>
-              <a:rPr lang="en-US" smtClean="0"/>
+              <a:rPr lang="en-US"/>
               <a:t>Third level</a:t>
             </a:r>
           </a:p>
           <a:p>
             <a:pPr lvl="3"/>
             <a:r>
-              <a:rPr lang="en-US" smtClean="0"/>
+              <a:rPr lang="en-US"/>
               <a:t>Fourth level</a:t>
             </a:r>
           </a:p>
           <a:p>
             <a:pPr lvl="4"/>
             <a:r>
-              <a:rPr lang="en-US" smtClean="0"/>
+              <a:rPr lang="en-US"/>
               <a:t>Fifth level</a:t>
             </a:r>
             <a:endParaRPr lang="en-GB"/>
@@ -2185,7 +2185,7 @@
           <a:p>
             <a:pPr lvl="0"/>
             <a:r>
-              <a:rPr lang="en-US" smtClean="0"/>
+              <a:rPr lang="en-US"/>
               <a:t>Click to edit Master text styles</a:t>
             </a:r>
           </a:p>
@@ -2241,35 +2241,35 @@
           <a:p>
             <a:pPr lvl="0"/>
             <a:r>
-              <a:rPr lang="en-US" smtClean="0"/>
+              <a:rPr lang="en-US"/>
               <a:t>Click to edit Master text styles</a:t>
             </a:r>
           </a:p>
           <a:p>
             <a:pPr lvl="1"/>
             <a:r>
-              <a:rPr lang="en-US" smtClean="0"/>
+              <a:rPr lang="en-US"/>
               <a:t>Second level</a:t>
             </a:r>
           </a:p>
           <a:p>
             <a:pPr lvl="2"/>
             <a:r>
-              <a:rPr lang="en-US" smtClean="0"/>
+              <a:rPr lang="en-US"/>
               <a:t>Third level</a:t>
             </a:r>
           </a:p>
           <a:p>
             <a:pPr lvl="3"/>
             <a:r>
-              <a:rPr lang="en-US" smtClean="0"/>
+              <a:rPr lang="en-US"/>
               <a:t>Fourth level</a:t>
             </a:r>
           </a:p>
           <a:p>
             <a:pPr lvl="4"/>
             <a:r>
-              <a:rPr lang="en-US" smtClean="0"/>
+              <a:rPr lang="en-US"/>
               <a:t>Fifth level</a:t>
             </a:r>
             <a:endParaRPr lang="en-GB"/>
@@ -2294,7 +2294,7 @@
             <a:fld id="{10E84F59-31D6-4521-A2A7-178D98CB1301}" type="datetimeFigureOut">
               <a:rPr lang="en-GB" smtClean="0"/>
               <a:pPr/>
-              <a:t>17/01/2020</a:t>
+              <a:t>13/02/2020</a:t>
             </a:fld>
             <a:endParaRPr lang="en-GB"/>
           </a:p>
@@ -2384,7 +2384,7 @@
           <a:lstStyle/>
           <a:p>
             <a:r>
-              <a:rPr lang="en-US" smtClean="0"/>
+              <a:rPr lang="en-US"/>
               <a:t>Click to edit Master title style</a:t>
             </a:r>
             <a:endParaRPr lang="en-GB"/>
@@ -2409,7 +2409,7 @@
             <a:fld id="{10E84F59-31D6-4521-A2A7-178D98CB1301}" type="datetimeFigureOut">
               <a:rPr lang="en-GB" smtClean="0"/>
               <a:pPr/>
-              <a:t>17/01/2020</a:t>
+              <a:t>13/02/2020</a:t>
             </a:fld>
             <a:endParaRPr lang="en-GB"/>
           </a:p>
@@ -2501,7 +2501,7 @@
             <a:fld id="{10E84F59-31D6-4521-A2A7-178D98CB1301}" type="datetimeFigureOut">
               <a:rPr lang="en-GB" smtClean="0"/>
               <a:pPr/>
-              <a:t>17/01/2020</a:t>
+              <a:t>13/02/2020</a:t>
             </a:fld>
             <a:endParaRPr lang="en-GB"/>
           </a:p>
@@ -2600,7 +2600,7 @@
           </a:lstStyle>
           <a:p>
             <a:r>
-              <a:rPr lang="en-US" smtClean="0"/>
+              <a:rPr lang="en-US"/>
               <a:t>Click to edit Master title style</a:t>
             </a:r>
             <a:endParaRPr lang="en-GB"/>
@@ -2657,35 +2657,35 @@
           <a:p>
             <a:pPr lvl="0"/>
             <a:r>
-              <a:rPr lang="en-US" smtClean="0"/>
+              <a:rPr lang="en-US"/>
               <a:t>Click to edit Master text styles</a:t>
             </a:r>
           </a:p>
           <a:p>
             <a:pPr lvl="1"/>
             <a:r>
-              <a:rPr lang="en-US" smtClean="0"/>
+              <a:rPr lang="en-US"/>
               <a:t>Second level</a:t>
             </a:r>
           </a:p>
           <a:p>
             <a:pPr lvl="2"/>
             <a:r>
-              <a:rPr lang="en-US" smtClean="0"/>
+              <a:rPr lang="en-US"/>
               <a:t>Third level</a:t>
             </a:r>
           </a:p>
           <a:p>
             <a:pPr lvl="3"/>
             <a:r>
-              <a:rPr lang="en-US" smtClean="0"/>
+              <a:rPr lang="en-US"/>
               <a:t>Fourth level</a:t>
             </a:r>
           </a:p>
           <a:p>
             <a:pPr lvl="4"/>
             <a:r>
-              <a:rPr lang="en-US" smtClean="0"/>
+              <a:rPr lang="en-US"/>
               <a:t>Fifth level</a:t>
             </a:r>
             <a:endParaRPr lang="en-GB"/>
@@ -2751,7 +2751,7 @@
           <a:p>
             <a:pPr lvl="0"/>
             <a:r>
-              <a:rPr lang="en-US" smtClean="0"/>
+              <a:rPr lang="en-US"/>
               <a:t>Click to edit Master text styles</a:t>
             </a:r>
           </a:p>
@@ -2775,7 +2775,7 @@
             <a:fld id="{10E84F59-31D6-4521-A2A7-178D98CB1301}" type="datetimeFigureOut">
               <a:rPr lang="en-GB" smtClean="0"/>
               <a:pPr/>
-              <a:t>17/01/2020</a:t>
+              <a:t>13/02/2020</a:t>
             </a:fld>
             <a:endParaRPr lang="en-GB"/>
           </a:p>
@@ -2874,7 +2874,7 @@
           </a:lstStyle>
           <a:p>
             <a:r>
-              <a:rPr lang="en-US" smtClean="0"/>
+              <a:rPr lang="en-US"/>
               <a:t>Click to edit Master title style</a:t>
             </a:r>
             <a:endParaRPr lang="en-GB"/>
@@ -3001,7 +3001,7 @@
           <a:p>
             <a:pPr lvl="0"/>
             <a:r>
-              <a:rPr lang="en-US" smtClean="0"/>
+              <a:rPr lang="en-US"/>
               <a:t>Click to edit Master text styles</a:t>
             </a:r>
           </a:p>
@@ -3025,7 +3025,7 @@
             <a:fld id="{10E84F59-31D6-4521-A2A7-178D98CB1301}" type="datetimeFigureOut">
               <a:rPr lang="en-GB" smtClean="0"/>
               <a:pPr/>
-              <a:t>17/01/2020</a:t>
+              <a:t>13/02/2020</a:t>
             </a:fld>
             <a:endParaRPr lang="en-GB"/>
           </a:p>
@@ -3156,7 +3156,7 @@
           <a:lstStyle/>
           <a:p>
             <a:r>
-              <a:rPr lang="en-US" dirty="0" smtClean="0"/>
+              <a:rPr lang="en-US" dirty="0"/>
               <a:t>Click to edit Master title style</a:t>
             </a:r>
             <a:endParaRPr lang="en-GB" dirty="0"/>
@@ -3190,35 +3190,35 @@
           <a:p>
             <a:pPr lvl="0"/>
             <a:r>
-              <a:rPr lang="en-US" smtClean="0"/>
+              <a:rPr lang="en-US"/>
               <a:t>Click to edit Master text styles</a:t>
             </a:r>
           </a:p>
           <a:p>
             <a:pPr lvl="1"/>
             <a:r>
-              <a:rPr lang="en-US" smtClean="0"/>
+              <a:rPr lang="en-US"/>
               <a:t>Second level</a:t>
             </a:r>
           </a:p>
           <a:p>
             <a:pPr lvl="2"/>
             <a:r>
-              <a:rPr lang="en-US" smtClean="0"/>
+              <a:rPr lang="en-US"/>
               <a:t>Third level</a:t>
             </a:r>
           </a:p>
           <a:p>
             <a:pPr lvl="3"/>
             <a:r>
-              <a:rPr lang="en-US" smtClean="0"/>
+              <a:rPr lang="en-US"/>
               <a:t>Fourth level</a:t>
             </a:r>
           </a:p>
           <a:p>
             <a:pPr lvl="4"/>
             <a:r>
-              <a:rPr lang="en-US" smtClean="0"/>
+              <a:rPr lang="en-US"/>
               <a:t>Fifth level</a:t>
             </a:r>
             <a:endParaRPr lang="en-GB"/>
@@ -3261,7 +3261,7 @@
             <a:fld id="{10E84F59-31D6-4521-A2A7-178D98CB1301}" type="datetimeFigureOut">
               <a:rPr lang="en-GB" smtClean="0"/>
               <a:pPr/>
-              <a:t>17/01/2020</a:t>
+              <a:t>13/02/2020</a:t>
             </a:fld>
             <a:endParaRPr lang="en-GB"/>
           </a:p>
@@ -3679,10 +3679,9 @@
           <a:lstStyle/>
           <a:p>
             <a:r>
-              <a:rPr lang="en-GB" dirty="0" smtClean="0"/>
+              <a:rPr lang="en-GB" dirty="0"/>
               <a:t>Lecture 16- Lean Thinking</a:t>
             </a:r>
-            <a:endParaRPr lang="en-GB" dirty="0"/>
           </a:p>
         </p:txBody>
       </p:sp>
@@ -3702,22 +3701,21 @@
           <a:lstStyle/>
           <a:p>
             <a:r>
-              <a:rPr lang="en-GB" dirty="0" smtClean="0"/>
+              <a:rPr lang="en-GB" dirty="0"/>
               <a:t>Dr Paul Jarvis</a:t>
             </a:r>
           </a:p>
           <a:p>
             <a:r>
-              <a:rPr lang="en-GB" dirty="0" smtClean="0"/>
+              <a:rPr lang="en-GB" dirty="0"/>
               <a:t>J303</a:t>
             </a:r>
           </a:p>
           <a:p>
             <a:r>
-              <a:rPr lang="en-GB" dirty="0" smtClean="0"/>
+              <a:rPr lang="en-GB" dirty="0"/>
               <a:t>paul.jarvis@southwales.ac.uk</a:t>
             </a:r>
-            <a:endParaRPr lang="en-GB" dirty="0"/>
           </a:p>
         </p:txBody>
       </p:sp>
@@ -3731,13 +3729,6 @@
   <p:clrMapOvr>
     <a:masterClrMapping/>
   </p:clrMapOvr>
-  <p:timing>
-    <p:tnLst>
-      <p:par>
-        <p:cTn id="1" dur="indefinite" restart="never" nodeType="tmRoot"/>
-      </p:par>
-    </p:tnLst>
-  </p:timing>
 </p:sld>
 </file>
 
@@ -3774,10 +3765,9 @@
           <a:lstStyle/>
           <a:p>
             <a:r>
-              <a:rPr lang="en-GB" dirty="0" smtClean="0"/>
+              <a:rPr lang="en-GB" dirty="0"/>
               <a:t>Value Stream</a:t>
             </a:r>
-            <a:endParaRPr lang="en-GB" dirty="0"/>
           </a:p>
         </p:txBody>
       </p:sp>
@@ -3816,10 +3806,9 @@
           <a:p>
             <a:pPr algn="ctr"/>
             <a:r>
-              <a:rPr lang="en-GB" dirty="0" smtClean="0"/>
+              <a:rPr lang="en-GB" dirty="0"/>
               <a:t>Task 1</a:t>
             </a:r>
-            <a:endParaRPr lang="en-GB" dirty="0"/>
           </a:p>
         </p:txBody>
       </p:sp>
@@ -3859,13 +3848,8 @@
             <a:pPr algn="ctr"/>
             <a:r>
               <a:rPr lang="en-GB" dirty="0"/>
-              <a:t>Task</a:t>
-            </a:r>
-            <a:r>
-              <a:rPr lang="en-GB" dirty="0" smtClean="0"/>
-              <a:t> 2</a:t>
-            </a:r>
-            <a:endParaRPr lang="en-GB" dirty="0"/>
+              <a:t>Task 2</a:t>
+            </a:r>
           </a:p>
         </p:txBody>
       </p:sp>
@@ -3905,13 +3889,8 @@
             <a:pPr algn="ctr"/>
             <a:r>
               <a:rPr lang="en-GB" dirty="0"/>
-              <a:t>Task</a:t>
-            </a:r>
-            <a:r>
-              <a:rPr lang="en-GB" dirty="0" smtClean="0"/>
-              <a:t> 3</a:t>
-            </a:r>
-            <a:endParaRPr lang="en-GB" dirty="0"/>
+              <a:t>Task 3</a:t>
+            </a:r>
           </a:p>
         </p:txBody>
       </p:sp>
@@ -3951,13 +3930,8 @@
             <a:pPr algn="ctr"/>
             <a:r>
               <a:rPr lang="en-GB" dirty="0"/>
-              <a:t>Task</a:t>
-            </a:r>
-            <a:r>
-              <a:rPr lang="en-GB" dirty="0" smtClean="0"/>
-              <a:t> 4</a:t>
-            </a:r>
-            <a:endParaRPr lang="en-GB" dirty="0"/>
+              <a:t>Task 4</a:t>
+            </a:r>
           </a:p>
         </p:txBody>
       </p:sp>
@@ -4022,18 +3996,13 @@
           <a:lstStyle/>
           <a:p>
             <a:r>
-              <a:rPr lang="en-GB" dirty="0" smtClean="0">
+              <a:rPr lang="en-GB" dirty="0">
                 <a:solidFill>
                   <a:schemeClr val="bg1"/>
                 </a:solidFill>
               </a:rPr>
               <a:t>Items flow through the stream</a:t>
             </a:r>
-            <a:endParaRPr lang="en-GB" dirty="0">
-              <a:solidFill>
-                <a:schemeClr val="bg1"/>
-              </a:solidFill>
-            </a:endParaRPr>
           </a:p>
         </p:txBody>
       </p:sp>
@@ -4073,16 +4042,15 @@
           <a:lstStyle/>
           <a:p>
             <a:r>
-              <a:rPr lang="en-GB" dirty="0" smtClean="0"/>
+              <a:rPr lang="en-GB" dirty="0"/>
               <a:t>‘Items’ might be physical objects.</a:t>
             </a:r>
           </a:p>
           <a:p>
             <a:r>
-              <a:rPr lang="en-GB" dirty="0" smtClean="0"/>
+              <a:rPr lang="en-GB" dirty="0"/>
               <a:t>Example: Materials in manufacturing (putting together a phone)</a:t>
             </a:r>
-            <a:endParaRPr lang="en-GB" dirty="0"/>
           </a:p>
         </p:txBody>
       </p:sp>
@@ -4122,24 +4090,23 @@
           <a:lstStyle/>
           <a:p>
             <a:r>
-              <a:rPr lang="en-GB" dirty="0" smtClean="0"/>
+              <a:rPr lang="en-GB" dirty="0"/>
               <a:t>‘Items’ might </a:t>
             </a:r>
             <a:r>
-              <a:rPr lang="en-GB" u="sng" dirty="0" smtClean="0"/>
+              <a:rPr lang="en-GB" u="sng" dirty="0"/>
               <a:t>not</a:t>
             </a:r>
             <a:r>
-              <a:rPr lang="en-GB" dirty="0" smtClean="0"/>
+              <a:rPr lang="en-GB" dirty="0"/>
               <a:t> be physical objects.</a:t>
             </a:r>
           </a:p>
           <a:p>
             <a:r>
-              <a:rPr lang="en-GB" dirty="0" smtClean="0"/>
+              <a:rPr lang="en-GB" dirty="0"/>
               <a:t>Example: Customer needs being fulfilled by receiving a service (assigning a customer to a phone contract)</a:t>
             </a:r>
-            <a:endParaRPr lang="en-GB" dirty="0"/>
           </a:p>
         </p:txBody>
       </p:sp>
@@ -4167,13 +4134,8 @@
           <a:p>
             <a:r>
               <a:rPr lang="en-GB" sz="2400" dirty="0"/>
-              <a:t>A value stream maps out the activities taken to deliver the product or service. ‘Items’ flow through the stream of tasks to </a:t>
-            </a:r>
-            <a:r>
-              <a:rPr lang="en-GB" sz="2400" dirty="0" smtClean="0"/>
-              <a:t>completion</a:t>
-            </a:r>
-            <a:endParaRPr lang="en-GB" sz="2400" dirty="0"/>
+              <a:t>A value stream maps out the activities taken to deliver the product or service. ‘Items’ flow through the stream of tasks to completion</a:t>
+            </a:r>
           </a:p>
         </p:txBody>
       </p:sp>
@@ -4224,18 +4186,14 @@
             </a:pPr>
             <a:r>
               <a:rPr lang="en-GB" b="1" dirty="0"/>
-              <a:t>Problem-solving </a:t>
-            </a:r>
-            <a:r>
-              <a:rPr lang="en-GB" b="1" dirty="0" smtClean="0"/>
-              <a:t>tasks: </a:t>
-            </a:r>
-            <a:r>
-              <a:rPr lang="en-GB" dirty="0" err="1" smtClean="0"/>
+              <a:t>Problem-solving tasks: </a:t>
+            </a:r>
+            <a:r>
+              <a:rPr lang="en-GB" dirty="0" err="1"/>
               <a:t>eg</a:t>
             </a:r>
             <a:r>
-              <a:rPr lang="en-GB" dirty="0" smtClean="0"/>
+              <a:rPr lang="en-GB" dirty="0"/>
               <a:t>. Designing something</a:t>
             </a:r>
           </a:p>
@@ -4246,21 +4204,16 @@
             </a:pPr>
             <a:r>
               <a:rPr lang="en-GB" b="1" dirty="0"/>
-              <a:t>Information management </a:t>
-            </a:r>
-            <a:r>
-              <a:rPr lang="en-GB" b="1" dirty="0" smtClean="0"/>
-              <a:t>tasks: </a:t>
-            </a:r>
-            <a:r>
-              <a:rPr lang="en-GB" dirty="0" err="1" smtClean="0"/>
+              <a:t>Information management tasks: </a:t>
+            </a:r>
+            <a:r>
+              <a:rPr lang="en-GB" dirty="0" err="1"/>
               <a:t>eg</a:t>
             </a:r>
             <a:r>
-              <a:rPr lang="en-GB" dirty="0" smtClean="0"/>
+              <a:rPr lang="en-GB" dirty="0"/>
               <a:t>. Taking an order from a customer</a:t>
             </a:r>
-            <a:endParaRPr lang="en-GB" dirty="0"/>
           </a:p>
           <a:p>
             <a:pPr marL="342900" indent="-342900">
@@ -4269,21 +4222,16 @@
             </a:pPr>
             <a:r>
               <a:rPr lang="en-GB" b="1" dirty="0"/>
-              <a:t>Physical transformation </a:t>
-            </a:r>
-            <a:r>
-              <a:rPr lang="en-GB" b="1" dirty="0" smtClean="0"/>
-              <a:t>tasks: </a:t>
-            </a:r>
-            <a:r>
-              <a:rPr lang="en-GB" dirty="0" err="1" smtClean="0"/>
+              <a:t>Physical transformation tasks: </a:t>
+            </a:r>
+            <a:r>
+              <a:rPr lang="en-GB" dirty="0" err="1"/>
               <a:t>eg</a:t>
             </a:r>
             <a:r>
-              <a:rPr lang="en-GB" dirty="0" smtClean="0"/>
+              <a:rPr lang="en-GB" dirty="0"/>
               <a:t>. Assembling components</a:t>
             </a:r>
-            <a:endParaRPr lang="en-GB" dirty="0"/>
           </a:p>
         </p:txBody>
       </p:sp>
@@ -4609,10 +4557,9 @@
           <a:lstStyle/>
           <a:p>
             <a:r>
-              <a:rPr lang="en-GB" dirty="0" smtClean="0"/>
+              <a:rPr lang="en-GB" dirty="0"/>
               <a:t>Value Stream: Example</a:t>
             </a:r>
-            <a:endParaRPr lang="en-GB" dirty="0"/>
           </a:p>
         </p:txBody>
       </p:sp>
@@ -4651,10 +4598,9 @@
           <a:p>
             <a:pPr algn="ctr"/>
             <a:r>
-              <a:rPr lang="en-GB" dirty="0" smtClean="0"/>
+              <a:rPr lang="en-GB" dirty="0"/>
               <a:t>Task 1</a:t>
             </a:r>
-            <a:endParaRPr lang="en-GB" dirty="0"/>
           </a:p>
         </p:txBody>
       </p:sp>
@@ -4694,13 +4640,8 @@
             <a:pPr algn="ctr"/>
             <a:r>
               <a:rPr lang="en-GB" dirty="0"/>
-              <a:t>Task</a:t>
-            </a:r>
-            <a:r>
-              <a:rPr lang="en-GB" dirty="0" smtClean="0"/>
-              <a:t> 2</a:t>
-            </a:r>
-            <a:endParaRPr lang="en-GB" dirty="0"/>
+              <a:t>Task 2</a:t>
+            </a:r>
           </a:p>
         </p:txBody>
       </p:sp>
@@ -4740,13 +4681,8 @@
             <a:pPr algn="ctr"/>
             <a:r>
               <a:rPr lang="en-GB" dirty="0"/>
-              <a:t>Task</a:t>
-            </a:r>
-            <a:r>
-              <a:rPr lang="en-GB" dirty="0" smtClean="0"/>
-              <a:t> 3</a:t>
-            </a:r>
-            <a:endParaRPr lang="en-GB" dirty="0"/>
+              <a:t>Task 3</a:t>
+            </a:r>
           </a:p>
         </p:txBody>
       </p:sp>
@@ -4786,13 +4722,8 @@
             <a:pPr algn="ctr"/>
             <a:r>
               <a:rPr lang="en-GB" dirty="0"/>
-              <a:t>Task</a:t>
-            </a:r>
-            <a:r>
-              <a:rPr lang="en-GB" dirty="0" smtClean="0"/>
-              <a:t> 4</a:t>
-            </a:r>
-            <a:endParaRPr lang="en-GB" dirty="0"/>
+              <a:t>Task 4</a:t>
+            </a:r>
           </a:p>
         </p:txBody>
       </p:sp>
@@ -4857,18 +4788,13 @@
           <a:lstStyle/>
           <a:p>
             <a:r>
-              <a:rPr lang="en-GB" dirty="0" smtClean="0">
+              <a:rPr lang="en-GB" dirty="0">
                 <a:solidFill>
                   <a:schemeClr val="bg1"/>
                 </a:solidFill>
               </a:rPr>
               <a:t>Items flow through the stream</a:t>
             </a:r>
-            <a:endParaRPr lang="en-GB" dirty="0">
-              <a:solidFill>
-                <a:schemeClr val="bg1"/>
-              </a:solidFill>
-            </a:endParaRPr>
           </a:p>
         </p:txBody>
       </p:sp>
@@ -4919,18 +4845,14 @@
             </a:pPr>
             <a:r>
               <a:rPr lang="en-GB" b="1" dirty="0"/>
-              <a:t>Problem-solving </a:t>
-            </a:r>
-            <a:r>
-              <a:rPr lang="en-GB" b="1" dirty="0" smtClean="0"/>
-              <a:t>tasks: </a:t>
-            </a:r>
-            <a:r>
-              <a:rPr lang="en-GB" dirty="0" err="1" smtClean="0"/>
+              <a:t>Problem-solving tasks: </a:t>
+            </a:r>
+            <a:r>
+              <a:rPr lang="en-GB" dirty="0" err="1"/>
               <a:t>eg</a:t>
             </a:r>
             <a:r>
-              <a:rPr lang="en-GB" dirty="0" smtClean="0"/>
+              <a:rPr lang="en-GB" dirty="0"/>
               <a:t>. Designing something</a:t>
             </a:r>
           </a:p>
@@ -4941,21 +4863,16 @@
             </a:pPr>
             <a:r>
               <a:rPr lang="en-GB" b="1" dirty="0"/>
-              <a:t>Information management </a:t>
-            </a:r>
-            <a:r>
-              <a:rPr lang="en-GB" b="1" dirty="0" smtClean="0"/>
-              <a:t>tasks: </a:t>
-            </a:r>
-            <a:r>
-              <a:rPr lang="en-GB" dirty="0" err="1" smtClean="0"/>
+              <a:t>Information management tasks: </a:t>
+            </a:r>
+            <a:r>
+              <a:rPr lang="en-GB" dirty="0" err="1"/>
               <a:t>eg</a:t>
             </a:r>
             <a:r>
-              <a:rPr lang="en-GB" dirty="0" smtClean="0"/>
+              <a:rPr lang="en-GB" dirty="0"/>
               <a:t>. Taking an order from a customer</a:t>
             </a:r>
-            <a:endParaRPr lang="en-GB" dirty="0"/>
           </a:p>
           <a:p>
             <a:pPr marL="342900" indent="-342900">
@@ -4964,21 +4881,16 @@
             </a:pPr>
             <a:r>
               <a:rPr lang="en-GB" b="1" dirty="0"/>
-              <a:t>Physical transformation </a:t>
-            </a:r>
-            <a:r>
-              <a:rPr lang="en-GB" b="1" dirty="0" smtClean="0"/>
-              <a:t>tasks: </a:t>
-            </a:r>
-            <a:r>
-              <a:rPr lang="en-GB" dirty="0" err="1" smtClean="0"/>
+              <a:t>Physical transformation tasks: </a:t>
+            </a:r>
+            <a:r>
+              <a:rPr lang="en-GB" dirty="0" err="1"/>
               <a:t>eg</a:t>
             </a:r>
             <a:r>
-              <a:rPr lang="en-GB" dirty="0" smtClean="0"/>
+              <a:rPr lang="en-GB" dirty="0"/>
               <a:t>. Assembling components</a:t>
             </a:r>
-            <a:endParaRPr lang="en-GB" dirty="0"/>
           </a:p>
         </p:txBody>
       </p:sp>
@@ -5017,10 +4929,9 @@
           <a:p>
             <a:pPr algn="ctr"/>
             <a:r>
-              <a:rPr lang="en-GB" dirty="0" smtClean="0"/>
+              <a:rPr lang="en-GB" dirty="0"/>
               <a:t>Customer orders new TV from a website</a:t>
             </a:r>
-            <a:endParaRPr lang="en-GB" dirty="0"/>
           </a:p>
         </p:txBody>
       </p:sp>
@@ -5059,10 +4970,9 @@
           <a:p>
             <a:pPr algn="ctr"/>
             <a:r>
-              <a:rPr lang="en-GB" dirty="0" smtClean="0"/>
+              <a:rPr lang="en-GB" dirty="0"/>
               <a:t>Work out when it can be delivered, which van, optimal route </a:t>
             </a:r>
-            <a:endParaRPr lang="en-GB" dirty="0"/>
           </a:p>
         </p:txBody>
       </p:sp>
@@ -5101,10 +5011,9 @@
           <a:p>
             <a:pPr algn="ctr"/>
             <a:r>
-              <a:rPr lang="en-GB" dirty="0" smtClean="0"/>
+              <a:rPr lang="en-GB" dirty="0"/>
               <a:t>Inform customer of delivery window</a:t>
             </a:r>
-            <a:endParaRPr lang="en-GB" dirty="0"/>
           </a:p>
         </p:txBody>
       </p:sp>
@@ -5150,10 +5059,9 @@
           <a:p>
             <a:pPr algn="ctr"/>
             <a:r>
-              <a:rPr lang="en-GB" dirty="0" smtClean="0"/>
+              <a:rPr lang="en-GB" dirty="0"/>
               <a:t> </a:t>
             </a:r>
-            <a:endParaRPr lang="en-GB" dirty="0"/>
           </a:p>
         </p:txBody>
       </p:sp>
@@ -5192,10 +5100,9 @@
           <a:p>
             <a:pPr algn="ctr"/>
             <a:r>
-              <a:rPr lang="en-GB" dirty="0" smtClean="0"/>
+              <a:rPr lang="en-GB" dirty="0"/>
               <a:t>Type   </a:t>
             </a:r>
-            <a:endParaRPr lang="en-GB" dirty="0"/>
           </a:p>
         </p:txBody>
       </p:sp>
@@ -5234,10 +5141,9 @@
           <a:p>
             <a:pPr algn="ctr"/>
             <a:r>
-              <a:rPr lang="en-GB" dirty="0" smtClean="0"/>
+              <a:rPr lang="en-GB" dirty="0"/>
               <a:t>Type  </a:t>
             </a:r>
-            <a:endParaRPr lang="en-GB" dirty="0"/>
           </a:p>
         </p:txBody>
       </p:sp>
@@ -5276,10 +5182,9 @@
           <a:p>
             <a:pPr algn="ctr"/>
             <a:r>
-              <a:rPr lang="en-GB" dirty="0" smtClean="0"/>
+              <a:rPr lang="en-GB" dirty="0"/>
               <a:t>Type  </a:t>
             </a:r>
-            <a:endParaRPr lang="en-GB" dirty="0"/>
           </a:p>
         </p:txBody>
       </p:sp>
@@ -5318,10 +5223,9 @@
           <a:p>
             <a:pPr algn="ctr"/>
             <a:r>
-              <a:rPr lang="en-GB" dirty="0" smtClean="0"/>
+              <a:rPr lang="en-GB" dirty="0"/>
               <a:t>Type  </a:t>
             </a:r>
-            <a:endParaRPr lang="en-GB" dirty="0"/>
           </a:p>
         </p:txBody>
       </p:sp>
@@ -5362,10 +5266,9 @@
           <a:p>
             <a:pPr algn="ctr"/>
             <a:r>
-              <a:rPr lang="en-GB" dirty="0" smtClean="0"/>
+              <a:rPr lang="en-GB" dirty="0"/>
               <a:t>2</a:t>
             </a:r>
-            <a:endParaRPr lang="en-GB" dirty="0"/>
           </a:p>
         </p:txBody>
       </p:sp>
@@ -5406,10 +5309,9 @@
           <a:p>
             <a:pPr algn="ctr"/>
             <a:r>
-              <a:rPr lang="en-GB" dirty="0" smtClean="0"/>
+              <a:rPr lang="en-GB" dirty="0"/>
               <a:t>2</a:t>
             </a:r>
-            <a:endParaRPr lang="en-GB" dirty="0"/>
           </a:p>
         </p:txBody>
       </p:sp>
@@ -5493,10 +5395,9 @@
           <a:p>
             <a:pPr algn="ctr"/>
             <a:r>
-              <a:rPr lang="en-GB" dirty="0" smtClean="0"/>
+              <a:rPr lang="en-GB" dirty="0"/>
               <a:t>3</a:t>
             </a:r>
-            <a:endParaRPr lang="en-GB" dirty="0"/>
           </a:p>
         </p:txBody>
       </p:sp>
@@ -5765,15 +5666,7 @@
           <a:p>
             <a:r>
               <a:rPr lang="en-GB" dirty="0"/>
-              <a:t>1.  The next law: </a:t>
-            </a:r>
-            <a:r>
-              <a:rPr lang="en-GB" dirty="0" smtClean="0"/>
-              <a:t>the </a:t>
-            </a:r>
-            <a:r>
-              <a:rPr lang="en-GB" dirty="0"/>
-              <a:t>Law of Flexibility</a:t>
+              <a:t>1.  The next law: the Law of Flexibility</a:t>
             </a:r>
           </a:p>
         </p:txBody>
@@ -5797,12 +5690,8 @@
               <a:buNone/>
             </a:pPr>
             <a:r>
-              <a:rPr lang="en-GB" dirty="0" smtClean="0"/>
-              <a:t>“</a:t>
-            </a:r>
-            <a:r>
               <a:rPr lang="en-GB" dirty="0"/>
-              <a:t>The velocity of any process is proportional to the flexibility of the process.” </a:t>
+              <a:t>“The velocity of any process is proportional to the flexibility of the process.” </a:t>
             </a:r>
           </a:p>
           <a:p>
@@ -5847,19 +5736,14 @@
           <a:p>
             <a:r>
               <a:rPr lang="en-GB" sz="2400" dirty="0"/>
-              <a:t>The more the process is receptive and flexible to adopt changes, the </a:t>
-            </a:r>
-            <a:r>
-              <a:rPr lang="en-GB" sz="2400" dirty="0" smtClean="0"/>
-              <a:t>easier it is to optimise overall performance.</a:t>
-            </a:r>
-          </a:p>
-          <a:p>
-            <a:r>
-              <a:rPr lang="en-GB" sz="2400" dirty="0" smtClean="0"/>
+              <a:t>The more the process is receptive and flexible to adopt changes, the easier it is to optimise overall performance.</a:t>
+            </a:r>
+          </a:p>
+          <a:p>
+            <a:r>
+              <a:rPr lang="en-GB" sz="2400" dirty="0"/>
               <a:t>If we stick rigidly to our old ways, we can’t improve</a:t>
             </a:r>
-            <a:endParaRPr lang="en-GB" sz="2400" dirty="0"/>
           </a:p>
         </p:txBody>
       </p:sp>
@@ -5873,13 +5757,6 @@
   <p:clrMapOvr>
     <a:masterClrMapping/>
   </p:clrMapOvr>
-  <p:timing>
-    <p:tnLst>
-      <p:par>
-        <p:cTn id="1" dur="indefinite" restart="never" nodeType="tmRoot"/>
-      </p:par>
-    </p:tnLst>
-  </p:timing>
 </p:sld>
 </file>
 
@@ -5916,10 +5793,9 @@
           <a:lstStyle/>
           <a:p>
             <a:r>
-              <a:rPr lang="en-GB" dirty="0" smtClean="0"/>
+              <a:rPr lang="en-GB" dirty="0"/>
               <a:t>Value Achieved?</a:t>
             </a:r>
-            <a:endParaRPr lang="en-GB" dirty="0"/>
           </a:p>
         </p:txBody>
       </p:sp>
@@ -5958,10 +5834,9 @@
           <a:p>
             <a:pPr algn="ctr"/>
             <a:r>
-              <a:rPr lang="en-GB" dirty="0" smtClean="0"/>
+              <a:rPr lang="en-GB" dirty="0"/>
               <a:t>Task 1</a:t>
             </a:r>
-            <a:endParaRPr lang="en-GB" dirty="0"/>
           </a:p>
         </p:txBody>
       </p:sp>
@@ -6001,13 +5876,8 @@
             <a:pPr algn="ctr"/>
             <a:r>
               <a:rPr lang="en-GB" dirty="0"/>
-              <a:t>Task</a:t>
-            </a:r>
-            <a:r>
-              <a:rPr lang="en-GB" dirty="0" smtClean="0"/>
-              <a:t> 2</a:t>
-            </a:r>
-            <a:endParaRPr lang="en-GB" dirty="0"/>
+              <a:t>Task 2</a:t>
+            </a:r>
           </a:p>
         </p:txBody>
       </p:sp>
@@ -6047,13 +5917,8 @@
             <a:pPr algn="ctr"/>
             <a:r>
               <a:rPr lang="en-GB" dirty="0"/>
-              <a:t>Task</a:t>
-            </a:r>
-            <a:r>
-              <a:rPr lang="en-GB" dirty="0" smtClean="0"/>
-              <a:t> 3</a:t>
-            </a:r>
-            <a:endParaRPr lang="en-GB" dirty="0"/>
+              <a:t>Task 3</a:t>
+            </a:r>
           </a:p>
         </p:txBody>
       </p:sp>
@@ -6093,13 +5958,8 @@
             <a:pPr algn="ctr"/>
             <a:r>
               <a:rPr lang="en-GB" dirty="0"/>
-              <a:t>Task</a:t>
-            </a:r>
-            <a:r>
-              <a:rPr lang="en-GB" dirty="0" smtClean="0"/>
-              <a:t> 4</a:t>
-            </a:r>
-            <a:endParaRPr lang="en-GB" dirty="0"/>
+              <a:t>Task 4</a:t>
+            </a:r>
           </a:p>
         </p:txBody>
       </p:sp>
@@ -6164,18 +6024,13 @@
           <a:lstStyle/>
           <a:p>
             <a:r>
-              <a:rPr lang="en-GB" dirty="0" smtClean="0">
+              <a:rPr lang="en-GB" dirty="0">
                 <a:solidFill>
                   <a:schemeClr val="bg1"/>
                 </a:solidFill>
               </a:rPr>
               <a:t>Items flow through the stream</a:t>
             </a:r>
-            <a:endParaRPr lang="en-GB" dirty="0">
-              <a:solidFill>
-                <a:schemeClr val="bg1"/>
-              </a:solidFill>
-            </a:endParaRPr>
           </a:p>
         </p:txBody>
       </p:sp>
@@ -6214,10 +6069,9 @@
           <a:p>
             <a:pPr algn="ctr"/>
             <a:r>
-              <a:rPr lang="en-GB" dirty="0" smtClean="0"/>
+              <a:rPr lang="en-GB" dirty="0"/>
               <a:t>Customer orders new TV from a website</a:t>
             </a:r>
-            <a:endParaRPr lang="en-GB" dirty="0"/>
           </a:p>
         </p:txBody>
       </p:sp>
@@ -6256,10 +6110,9 @@
           <a:p>
             <a:pPr algn="ctr"/>
             <a:r>
-              <a:rPr lang="en-GB" dirty="0" smtClean="0"/>
+              <a:rPr lang="en-GB" dirty="0"/>
               <a:t>Work out when it can be delivered, which van, optimal route </a:t>
             </a:r>
-            <a:endParaRPr lang="en-GB" dirty="0"/>
           </a:p>
         </p:txBody>
       </p:sp>
@@ -6298,10 +6151,9 @@
           <a:p>
             <a:pPr algn="ctr"/>
             <a:r>
-              <a:rPr lang="en-GB" dirty="0" smtClean="0"/>
+              <a:rPr lang="en-GB" dirty="0"/>
               <a:t>Inform customer of delivery window</a:t>
             </a:r>
-            <a:endParaRPr lang="en-GB" dirty="0"/>
           </a:p>
         </p:txBody>
       </p:sp>
@@ -6347,10 +6199,9 @@
           <a:p>
             <a:pPr algn="ctr"/>
             <a:r>
-              <a:rPr lang="en-GB" dirty="0" smtClean="0"/>
+              <a:rPr lang="en-GB" dirty="0"/>
               <a:t> </a:t>
             </a:r>
-            <a:endParaRPr lang="en-GB" dirty="0"/>
           </a:p>
         </p:txBody>
       </p:sp>
@@ -6389,17 +6240,16 @@
           <a:p>
             <a:pPr algn="ctr"/>
             <a:r>
-              <a:rPr lang="en-GB" dirty="0" smtClean="0"/>
+              <a:rPr lang="en-GB" dirty="0"/>
               <a:t>Value?</a:t>
             </a:r>
           </a:p>
           <a:p>
             <a:pPr algn="ctr"/>
             <a:r>
-              <a:rPr lang="en-GB" dirty="0" smtClean="0"/>
+              <a:rPr lang="en-GB" dirty="0"/>
               <a:t>   </a:t>
             </a:r>
-            <a:endParaRPr lang="en-GB" dirty="0"/>
           </a:p>
         </p:txBody>
       </p:sp>
@@ -6440,10 +6290,9 @@
           <a:p>
             <a:pPr algn="ctr"/>
             <a:r>
-              <a:rPr lang="en-GB" dirty="0" smtClean="0"/>
+              <a:rPr lang="en-GB" dirty="0"/>
               <a:t>Yes</a:t>
             </a:r>
-            <a:endParaRPr lang="en-GB" dirty="0"/>
           </a:p>
         </p:txBody>
       </p:sp>
@@ -6489,20 +6338,8 @@
           </a:p>
           <a:p>
             <a:r>
-              <a:rPr lang="en-GB" sz="2000" dirty="0" smtClean="0"/>
-              <a:t>Activities </a:t>
-            </a:r>
-            <a:r>
               <a:rPr lang="en-GB" sz="2000" dirty="0"/>
-              <a:t>that </a:t>
-            </a:r>
-            <a:r>
-              <a:rPr lang="en-GB" sz="2000" dirty="0" smtClean="0"/>
-              <a:t>create </a:t>
-            </a:r>
-            <a:r>
-              <a:rPr lang="en-GB" sz="2000" dirty="0"/>
-              <a:t>value</a:t>
+              <a:t>Activities that create value</a:t>
             </a:r>
           </a:p>
         </p:txBody>
@@ -6543,21 +6380,16 @@
           <a:lstStyle/>
           <a:p>
             <a:r>
-              <a:rPr lang="en-GB" sz="2000" b="1" dirty="0" err="1" smtClean="0"/>
+              <a:rPr lang="en-GB" sz="2000" b="1" dirty="0" err="1"/>
               <a:t>Muda</a:t>
             </a:r>
-            <a:endParaRPr lang="en-GB" sz="2000" b="1" dirty="0" smtClean="0"/>
-          </a:p>
-          <a:p>
-            <a:r>
-              <a:rPr lang="en-GB" sz="2000" dirty="0" smtClean="0"/>
-              <a:t>No </a:t>
-            </a:r>
-            <a:r>
-              <a:rPr lang="en-GB" sz="2000" dirty="0" smtClean="0"/>
-              <a:t>value</a:t>
-            </a:r>
-            <a:endParaRPr lang="en-GB" sz="2000" dirty="0"/>
+            <a:endParaRPr lang="en-GB" sz="2000" b="1" dirty="0"/>
+          </a:p>
+          <a:p>
+            <a:r>
+              <a:rPr lang="en-GB" sz="2000" dirty="0"/>
+              <a:t>No value</a:t>
+            </a:r>
           </a:p>
         </p:txBody>
       </p:sp>
@@ -6596,17 +6428,16 @@
           <a:p>
             <a:pPr algn="ctr"/>
             <a:r>
-              <a:rPr lang="en-GB" dirty="0" smtClean="0"/>
+              <a:rPr lang="en-GB" dirty="0"/>
               <a:t>Value?</a:t>
             </a:r>
           </a:p>
           <a:p>
             <a:pPr algn="ctr"/>
             <a:r>
-              <a:rPr lang="en-GB" dirty="0" smtClean="0"/>
+              <a:rPr lang="en-GB" dirty="0"/>
               <a:t>   </a:t>
             </a:r>
-            <a:endParaRPr lang="en-GB" dirty="0"/>
           </a:p>
         </p:txBody>
       </p:sp>
@@ -6647,10 +6478,9 @@
           <a:p>
             <a:pPr algn="ctr"/>
             <a:r>
-              <a:rPr lang="en-GB" dirty="0" smtClean="0"/>
+              <a:rPr lang="en-GB" dirty="0"/>
               <a:t>No</a:t>
             </a:r>
-            <a:endParaRPr lang="en-GB" dirty="0"/>
           </a:p>
         </p:txBody>
       </p:sp>
@@ -6689,17 +6519,16 @@
           <a:p>
             <a:pPr algn="ctr"/>
             <a:r>
-              <a:rPr lang="en-GB" dirty="0" smtClean="0"/>
+              <a:rPr lang="en-GB" dirty="0"/>
               <a:t>Value?</a:t>
             </a:r>
           </a:p>
           <a:p>
             <a:pPr algn="ctr"/>
             <a:r>
-              <a:rPr lang="en-GB" dirty="0" smtClean="0"/>
+              <a:rPr lang="en-GB" dirty="0"/>
               <a:t>   </a:t>
             </a:r>
-            <a:endParaRPr lang="en-GB" dirty="0"/>
           </a:p>
         </p:txBody>
       </p:sp>
@@ -6740,10 +6569,9 @@
           <a:p>
             <a:pPr algn="ctr"/>
             <a:r>
-              <a:rPr lang="en-GB" dirty="0" smtClean="0"/>
+              <a:rPr lang="en-GB" dirty="0"/>
               <a:t>Yes</a:t>
             </a:r>
-            <a:endParaRPr lang="en-GB" dirty="0"/>
           </a:p>
         </p:txBody>
       </p:sp>
@@ -6782,17 +6610,16 @@
           <a:p>
             <a:pPr algn="ctr"/>
             <a:r>
-              <a:rPr lang="en-GB" dirty="0" smtClean="0"/>
+              <a:rPr lang="en-GB" dirty="0"/>
               <a:t>Value?</a:t>
             </a:r>
           </a:p>
           <a:p>
             <a:pPr algn="ctr"/>
             <a:r>
-              <a:rPr lang="en-GB" dirty="0" smtClean="0"/>
+              <a:rPr lang="en-GB" dirty="0"/>
               <a:t>   </a:t>
             </a:r>
-            <a:endParaRPr lang="en-GB" dirty="0"/>
           </a:p>
         </p:txBody>
       </p:sp>
@@ -6833,10 +6660,9 @@
           <a:p>
             <a:pPr algn="ctr"/>
             <a:r>
-              <a:rPr lang="en-GB" dirty="0" smtClean="0"/>
+              <a:rPr lang="en-GB" dirty="0"/>
               <a:t>Yes</a:t>
             </a:r>
-            <a:endParaRPr lang="en-GB" dirty="0"/>
           </a:p>
         </p:txBody>
       </p:sp>
@@ -7102,14 +6928,13 @@
           <a:lstStyle/>
           <a:p>
             <a:r>
-              <a:rPr lang="en-GB" dirty="0" err="1" smtClean="0"/>
+              <a:rPr lang="en-GB" dirty="0" err="1"/>
               <a:t>Muda</a:t>
             </a:r>
             <a:r>
-              <a:rPr lang="en-GB" dirty="0" smtClean="0"/>
+              <a:rPr lang="en-GB" dirty="0"/>
               <a:t> Tasks</a:t>
             </a:r>
-            <a:endParaRPr lang="en-GB" dirty="0"/>
           </a:p>
         </p:txBody>
       </p:sp>
@@ -7149,26 +6974,25 @@
           <a:lstStyle/>
           <a:p>
             <a:r>
-              <a:rPr lang="en-GB" sz="2800" dirty="0" smtClean="0"/>
+              <a:rPr lang="en-GB" sz="2800" dirty="0"/>
               <a:t>Ideally we should map the entire supply chain.</a:t>
             </a:r>
           </a:p>
           <a:p>
             <a:r>
-              <a:rPr lang="en-GB" sz="2800" dirty="0" smtClean="0"/>
+              <a:rPr lang="en-GB" sz="2800" dirty="0"/>
               <a:t>Our goal is to minimise avoidable activities. </a:t>
             </a:r>
           </a:p>
           <a:p>
             <a:r>
-              <a:rPr lang="en-GB" sz="2800" dirty="0" smtClean="0"/>
+              <a:rPr lang="en-GB" sz="2800" dirty="0"/>
               <a:t>Do this through </a:t>
             </a:r>
             <a:r>
-              <a:rPr lang="en-GB" sz="2800" b="1" dirty="0" smtClean="0"/>
+              <a:rPr lang="en-GB" sz="2800" b="1" dirty="0"/>
               <a:t>Value Stream Analysis</a:t>
             </a:r>
-            <a:endParaRPr lang="en-GB" sz="2800" b="1" dirty="0"/>
           </a:p>
         </p:txBody>
       </p:sp>
@@ -7208,16 +7032,15 @@
           <a:lstStyle/>
           <a:p>
             <a:r>
-              <a:rPr lang="en-GB" sz="2000" dirty="0" smtClean="0"/>
+              <a:rPr lang="en-GB" sz="2000" dirty="0"/>
               <a:t>Finding the optimal route for a van with lots of items to deliver doesn’t create value for the customer. Can we avoid it or not, given our resources?</a:t>
             </a:r>
           </a:p>
           <a:p>
             <a:r>
-              <a:rPr lang="en-GB" sz="2000" b="1" dirty="0" smtClean="0"/>
+              <a:rPr lang="en-GB" sz="2000" b="1" dirty="0"/>
               <a:t>Is it Type 1 or Type 2?</a:t>
             </a:r>
-            <a:endParaRPr lang="en-GB" sz="2000" b="1" dirty="0"/>
           </a:p>
         </p:txBody>
       </p:sp>
@@ -7257,13 +7080,8 @@
             <a:pPr algn="ctr"/>
             <a:r>
               <a:rPr lang="en-GB" dirty="0"/>
-              <a:t>Task</a:t>
-            </a:r>
-            <a:r>
-              <a:rPr lang="en-GB" dirty="0" smtClean="0"/>
-              <a:t> 2</a:t>
-            </a:r>
-            <a:endParaRPr lang="en-GB" dirty="0"/>
+              <a:t>Task 2</a:t>
+            </a:r>
           </a:p>
         </p:txBody>
       </p:sp>
@@ -7302,10 +7120,9 @@
           <a:p>
             <a:pPr algn="ctr"/>
             <a:r>
-              <a:rPr lang="en-GB" dirty="0" smtClean="0"/>
+              <a:rPr lang="en-GB" dirty="0"/>
               <a:t>Work out when it can be delivered, which van, optimal route </a:t>
             </a:r>
-            <a:endParaRPr lang="en-GB" dirty="0"/>
           </a:p>
         </p:txBody>
       </p:sp>
@@ -7319,13 +7136,6 @@
   <p:clrMapOvr>
     <a:masterClrMapping/>
   </p:clrMapOvr>
-  <p:timing>
-    <p:tnLst>
-      <p:par>
-        <p:cTn id="1" dur="indefinite" restart="never" nodeType="tmRoot"/>
-      </p:par>
-    </p:tnLst>
-  </p:timing>
 </p:sld>
 </file>
 
@@ -7404,23 +7214,15 @@
           <a:lstStyle/>
           <a:p>
             <a:r>
-              <a:rPr lang="en-GB" sz="2400" dirty="0" smtClean="0"/>
-              <a:t>Value Stream Analysis is a planning </a:t>
-            </a:r>
-            <a:r>
               <a:rPr lang="en-GB" sz="2400" dirty="0"/>
-              <a:t>tool for optimising the </a:t>
-            </a:r>
-            <a:r>
-              <a:rPr lang="en-GB" sz="2400" dirty="0" smtClean="0"/>
-              <a:t>results. We examine our current state </a:t>
-            </a:r>
-            <a:r>
-              <a:rPr lang="en-GB" sz="2400" b="1" dirty="0" smtClean="0"/>
+              <a:t>Value Stream Analysis is a planning tool for optimising the results. We examine our current state </a:t>
+            </a:r>
+            <a:r>
+              <a:rPr lang="en-GB" sz="2400" b="1" dirty="0"/>
               <a:t>Value Stream Mapping</a:t>
             </a:r>
             <a:r>
-              <a:rPr lang="en-GB" sz="2400" dirty="0" smtClean="0"/>
+              <a:rPr lang="en-GB" sz="2400" dirty="0"/>
               <a:t> (VSM), apply Lean Thinking principles and create an optimised future state VSM</a:t>
             </a:r>
             <a:endParaRPr lang="en-GB" sz="2400" b="1" dirty="0"/>
@@ -7462,10 +7264,9 @@
           <a:p>
             <a:pPr algn="ctr"/>
             <a:r>
-              <a:rPr lang="en-GB" dirty="0" smtClean="0"/>
+              <a:rPr lang="en-GB" dirty="0"/>
               <a:t>Task 1</a:t>
             </a:r>
-            <a:endParaRPr lang="en-GB" dirty="0"/>
           </a:p>
         </p:txBody>
       </p:sp>
@@ -7505,13 +7306,8 @@
             <a:pPr algn="ctr"/>
             <a:r>
               <a:rPr lang="en-GB" dirty="0"/>
-              <a:t>Task</a:t>
-            </a:r>
-            <a:r>
-              <a:rPr lang="en-GB" dirty="0" smtClean="0"/>
-              <a:t> 2</a:t>
-            </a:r>
-            <a:endParaRPr lang="en-GB" dirty="0"/>
+              <a:t>Task 2</a:t>
+            </a:r>
           </a:p>
         </p:txBody>
       </p:sp>
@@ -7551,13 +7347,8 @@
             <a:pPr algn="ctr"/>
             <a:r>
               <a:rPr lang="en-GB" dirty="0"/>
-              <a:t>Task</a:t>
-            </a:r>
-            <a:r>
-              <a:rPr lang="en-GB" dirty="0" smtClean="0"/>
-              <a:t> 3</a:t>
-            </a:r>
-            <a:endParaRPr lang="en-GB" dirty="0"/>
+              <a:t>Task 3</a:t>
+            </a:r>
           </a:p>
         </p:txBody>
       </p:sp>
@@ -7597,13 +7388,8 @@
             <a:pPr algn="ctr"/>
             <a:r>
               <a:rPr lang="en-GB" dirty="0"/>
-              <a:t>Task</a:t>
-            </a:r>
-            <a:r>
-              <a:rPr lang="en-GB" dirty="0" smtClean="0"/>
-              <a:t> 4</a:t>
-            </a:r>
-            <a:endParaRPr lang="en-GB" dirty="0"/>
+              <a:t>Task 4</a:t>
+            </a:r>
           </a:p>
         </p:txBody>
       </p:sp>
@@ -7680,10 +7466,9 @@
           <a:p>
             <a:pPr algn="ctr"/>
             <a:r>
-              <a:rPr lang="en-GB" dirty="0" smtClean="0"/>
+              <a:rPr lang="en-GB" dirty="0"/>
               <a:t>Current State VSM</a:t>
             </a:r>
-            <a:endParaRPr lang="en-GB" dirty="0"/>
           </a:p>
         </p:txBody>
       </p:sp>
@@ -7722,18 +7507,13 @@
           <a:p>
             <a:pPr algn="ctr"/>
             <a:r>
-              <a:rPr lang="en-GB" dirty="0" smtClean="0">
+              <a:rPr lang="en-GB" dirty="0">
                 <a:solidFill>
                   <a:schemeClr val="tx1"/>
                 </a:solidFill>
               </a:rPr>
               <a:t>Task 1</a:t>
             </a:r>
-            <a:endParaRPr lang="en-GB" dirty="0">
-              <a:solidFill>
-                <a:schemeClr val="tx1"/>
-              </a:solidFill>
-            </a:endParaRPr>
           </a:p>
         </p:txBody>
       </p:sp>
@@ -7777,21 +7557,8 @@
                   <a:schemeClr val="tx1"/>
                 </a:solidFill>
               </a:rPr>
-              <a:t>Task</a:t>
-            </a:r>
-            <a:r>
-              <a:rPr lang="en-GB" dirty="0" smtClean="0">
-                <a:solidFill>
-                  <a:schemeClr val="tx1"/>
-                </a:solidFill>
-              </a:rPr>
-              <a:t> 2b (changed)</a:t>
-            </a:r>
-            <a:endParaRPr lang="en-GB" dirty="0">
-              <a:solidFill>
-                <a:schemeClr val="tx1"/>
-              </a:solidFill>
-            </a:endParaRPr>
+              <a:t>Task 2b (changed)</a:t>
+            </a:r>
           </a:p>
         </p:txBody>
       </p:sp>
@@ -7835,21 +7602,8 @@
                   <a:schemeClr val="tx1"/>
                 </a:solidFill>
               </a:rPr>
-              <a:t>Task</a:t>
-            </a:r>
-            <a:r>
-              <a:rPr lang="en-GB" dirty="0" smtClean="0">
-                <a:solidFill>
-                  <a:schemeClr val="tx1"/>
-                </a:solidFill>
-              </a:rPr>
-              <a:t> 3</a:t>
-            </a:r>
-            <a:endParaRPr lang="en-GB" dirty="0">
-              <a:solidFill>
-                <a:schemeClr val="tx1"/>
-              </a:solidFill>
-            </a:endParaRPr>
+              <a:t>Task 3</a:t>
+            </a:r>
           </a:p>
         </p:txBody>
       </p:sp>
@@ -7926,18 +7680,13 @@
           <a:p>
             <a:pPr algn="ctr"/>
             <a:r>
-              <a:rPr lang="en-GB" dirty="0" smtClean="0">
+              <a:rPr lang="en-GB" dirty="0">
                 <a:solidFill>
                   <a:schemeClr val="tx1"/>
                 </a:solidFill>
               </a:rPr>
               <a:t>Future State VSM</a:t>
             </a:r>
-            <a:endParaRPr lang="en-GB" dirty="0">
-              <a:solidFill>
-                <a:schemeClr val="tx1"/>
-              </a:solidFill>
-            </a:endParaRPr>
           </a:p>
         </p:txBody>
       </p:sp>
@@ -7976,20 +7725,12 @@
           <a:p>
             <a:pPr algn="ctr"/>
             <a:r>
-              <a:rPr lang="en-GB" dirty="0" smtClean="0">
-                <a:solidFill>
-                  <a:schemeClr val="tx1"/>
-                </a:solidFill>
-              </a:rPr>
-              <a:t>Apply Lean Thinking</a:t>
-            </a:r>
-            <a:r>
               <a:rPr lang="en-GB" dirty="0">
                 <a:solidFill>
                   <a:schemeClr val="tx1"/>
                 </a:solidFill>
               </a:rPr>
-              <a:t> principles</a:t>
+              <a:t>Apply Lean Thinking principles</a:t>
             </a:r>
           </a:p>
         </p:txBody>
@@ -8302,13 +8043,8 @@
             </a:pPr>
             <a:r>
               <a:rPr lang="en-GB" dirty="0"/>
-              <a:t>Specify value from </a:t>
-            </a:r>
-            <a:r>
-              <a:rPr lang="en-GB" dirty="0" smtClean="0"/>
-              <a:t>customer perspective.</a:t>
-            </a:r>
-            <a:endParaRPr lang="en-GB" dirty="0"/>
+              <a:t>Specify value from customer perspective.</a:t>
+            </a:r>
           </a:p>
           <a:p>
             <a:pPr marL="514350" indent="-514350">
@@ -8365,21 +8101,8 @@
             </a:pPr>
             <a:r>
               <a:rPr lang="en-GB" dirty="0"/>
-              <a:t>Manage toward perfection, </a:t>
-            </a:r>
-            <a:r>
-              <a:rPr lang="en-GB" dirty="0" smtClean="0"/>
-              <a:t>reducing </a:t>
-            </a:r>
-            <a:r>
-              <a:rPr lang="en-GB" dirty="0"/>
-              <a:t>amount of time and information needed to serve the </a:t>
-            </a:r>
-            <a:r>
-              <a:rPr lang="en-GB" dirty="0" smtClean="0"/>
-              <a:t>customer</a:t>
-            </a:r>
-            <a:endParaRPr lang="en-GB" dirty="0"/>
+              <a:t>Manage toward perfection, reducing amount of time and information needed to serve the customer</a:t>
+            </a:r>
           </a:p>
         </p:txBody>
       </p:sp>
@@ -8561,7 +8284,7 @@
               <a:buAutoNum type="arabicPeriod"/>
             </a:pPr>
             <a:r>
-              <a:rPr lang="en-GB" dirty="0" smtClean="0">
+              <a:rPr lang="en-GB" dirty="0">
                 <a:solidFill>
                   <a:schemeClr val="bg1"/>
                 </a:solidFill>
@@ -8569,7 +8292,7 @@
               <a:t> </a:t>
             </a:r>
             <a:r>
-              <a:rPr lang="en-GB" dirty="0" smtClean="0">
+              <a:rPr lang="en-GB" dirty="0">
                 <a:solidFill>
                   <a:srgbClr val="FF0000"/>
                 </a:solidFill>
@@ -8577,7 +8300,7 @@
               <a:t>In a nutshell…</a:t>
             </a:r>
             <a:r>
-              <a:rPr lang="en-GB" dirty="0" smtClean="0">
+              <a:rPr lang="en-GB" dirty="0">
                 <a:solidFill>
                   <a:schemeClr val="bg1"/>
                 </a:solidFill>
@@ -8591,7 +8314,7 @@
               <a:buAutoNum type="arabicPeriod"/>
             </a:pPr>
             <a:r>
-              <a:rPr lang="en-GB" dirty="0" smtClean="0">
+              <a:rPr lang="en-GB" dirty="0">
                 <a:solidFill>
                   <a:schemeClr val="bg1"/>
                 </a:solidFill>
@@ -8605,15 +8328,15 @@
               <a:buAutoNum type="arabicPeriod"/>
             </a:pPr>
             <a:r>
-              <a:rPr lang="en-GB" dirty="0" smtClean="0"/>
+              <a:rPr lang="en-GB" dirty="0"/>
               <a:t>Eliminate Type 2 </a:t>
             </a:r>
             <a:r>
-              <a:rPr lang="en-GB" dirty="0" err="1" smtClean="0"/>
+              <a:rPr lang="en-GB" dirty="0" err="1"/>
               <a:t>Muda</a:t>
             </a:r>
             <a:r>
-              <a:rPr lang="en-GB" dirty="0" smtClean="0"/>
+              <a:rPr lang="en-GB" dirty="0"/>
               <a:t>.</a:t>
             </a:r>
           </a:p>
@@ -8623,7 +8346,7 @@
               <a:buAutoNum type="arabicPeriod"/>
             </a:pPr>
             <a:r>
-              <a:rPr lang="en-GB" dirty="0" smtClean="0"/>
+              <a:rPr lang="en-GB" dirty="0"/>
               <a:t>Make the value stream flow smoothly.</a:t>
             </a:r>
           </a:p>
@@ -8633,7 +8356,7 @@
               <a:buAutoNum type="arabicPeriod"/>
             </a:pPr>
             <a:r>
-              <a:rPr lang="en-GB" dirty="0" smtClean="0">
+              <a:rPr lang="en-GB" dirty="0">
                 <a:solidFill>
                   <a:schemeClr val="bg1"/>
                 </a:solidFill>
@@ -8647,22 +8370,17 @@
               <a:buAutoNum type="arabicPeriod"/>
             </a:pPr>
             <a:r>
-              <a:rPr lang="en-GB" dirty="0" smtClean="0"/>
+              <a:rPr lang="en-GB" dirty="0"/>
               <a:t>Manage toward perfection, </a:t>
             </a:r>
             <a:r>
-              <a:rPr lang="en-GB" dirty="0" smtClean="0">
+              <a:rPr lang="en-GB" dirty="0">
                 <a:solidFill>
                   <a:schemeClr val="bg1"/>
                 </a:solidFill>
               </a:rPr>
               <a:t>reducing amount of time and information needed to serve the customer</a:t>
             </a:r>
-            <a:endParaRPr lang="en-GB" dirty="0">
-              <a:solidFill>
-                <a:schemeClr val="bg1"/>
-              </a:solidFill>
-            </a:endParaRPr>
           </a:p>
         </p:txBody>
       </p:sp>
@@ -8683,13 +8401,8 @@
           <a:p>
             <a:r>
               <a:rPr lang="en-GB" dirty="0"/>
-              <a:t>Value Stream </a:t>
-            </a:r>
-            <a:r>
-              <a:rPr lang="en-GB" dirty="0" smtClean="0"/>
-              <a:t>Analysis Steps</a:t>
-            </a:r>
-            <a:endParaRPr lang="en-GB" dirty="0"/>
+              <a:t>Value Stream Analysis Steps</a:t>
+            </a:r>
           </a:p>
         </p:txBody>
       </p:sp>
@@ -8729,24 +8442,16 @@
           <a:lstStyle/>
           <a:p>
             <a:r>
-              <a:rPr lang="en-GB" dirty="0" smtClean="0"/>
+              <a:rPr lang="en-GB" dirty="0"/>
               <a:t>Example </a:t>
             </a:r>
             <a:r>
-              <a:rPr lang="en-GB" dirty="0" err="1" smtClean="0"/>
+              <a:rPr lang="en-GB" dirty="0" err="1"/>
               <a:t>muda</a:t>
             </a:r>
             <a:r>
-              <a:rPr lang="en-GB" dirty="0" smtClean="0"/>
-              <a:t> (</a:t>
-            </a:r>
-            <a:r>
               <a:rPr lang="en-GB" dirty="0"/>
-              <a:t>Minitab, 2010</a:t>
-            </a:r>
-            <a:r>
-              <a:rPr lang="en-GB" dirty="0" smtClean="0"/>
-              <a:t>):</a:t>
+              <a:t> (Minitab, 2010):</a:t>
             </a:r>
           </a:p>
           <a:p>
@@ -8755,12 +8460,8 @@
               <a:buChar char="•"/>
             </a:pPr>
             <a:r>
-              <a:rPr lang="en-GB" dirty="0" smtClean="0"/>
-              <a:t>overproduction</a:t>
-            </a:r>
-            <a:r>
               <a:rPr lang="en-GB" dirty="0"/>
-              <a:t>, excess inventory, uneven flow;</a:t>
+              <a:t>overproduction, excess inventory, uneven flow;</a:t>
             </a:r>
           </a:p>
           <a:p>
@@ -8800,13 +8501,8 @@
             </a:pPr>
             <a:r>
               <a:rPr lang="en-GB" dirty="0"/>
-              <a:t>inefficient use of human intellect</a:t>
-            </a:r>
-            <a:r>
-              <a:rPr lang="en-GB" dirty="0" smtClean="0"/>
-              <a:t>.</a:t>
-            </a:r>
-            <a:endParaRPr lang="en-GB" dirty="0"/>
+              <a:t>inefficient use of human intellect.</a:t>
+            </a:r>
           </a:p>
         </p:txBody>
       </p:sp>
@@ -8964,10 +8660,9 @@
           <a:lstStyle/>
           <a:p>
             <a:r>
-              <a:rPr lang="en-GB" sz="2400" dirty="0" smtClean="0"/>
+              <a:rPr lang="en-GB" sz="2400" dirty="0"/>
               <a:t>More about flow soon</a:t>
             </a:r>
-            <a:endParaRPr lang="en-GB" sz="2400" dirty="0"/>
           </a:p>
         </p:txBody>
       </p:sp>
@@ -9253,20 +8948,8 @@
           <a:lstStyle/>
           <a:p>
             <a:r>
-              <a:rPr lang="en-GB" dirty="0" smtClean="0"/>
-              <a:t>2. </a:t>
-            </a:r>
-            <a:r>
               <a:rPr lang="en-GB" dirty="0"/>
-              <a:t>The second law: </a:t>
-            </a:r>
-            <a:r>
-              <a:rPr lang="en-GB" dirty="0" smtClean="0"/>
-              <a:t>the </a:t>
-            </a:r>
-            <a:r>
-              <a:rPr lang="en-GB" dirty="0"/>
-              <a:t>Law of Focus</a:t>
+              <a:t>2. The second law: the Law of Focus</a:t>
             </a:r>
           </a:p>
         </p:txBody>
@@ -9332,24 +9015,15 @@
           <a:lstStyle/>
           <a:p>
             <a:r>
-              <a:rPr lang="en-GB" sz="2400" dirty="0" smtClean="0"/>
-              <a:t>The </a:t>
-            </a:r>
-            <a:r>
               <a:rPr lang="en-GB" sz="2400" dirty="0"/>
-              <a:t>main causes of delay </a:t>
-            </a:r>
-            <a:r>
-              <a:rPr lang="en-GB" sz="2400" dirty="0" smtClean="0"/>
-              <a:t>in the overall process usually come from a small proportion of the activities.</a:t>
-            </a:r>
-          </a:p>
-          <a:p>
-            <a:r>
-              <a:rPr lang="en-GB" sz="2400" dirty="0" smtClean="0"/>
+              <a:t>The main causes of delay in the overall process usually come from a small proportion of the activities.</a:t>
+            </a:r>
+          </a:p>
+          <a:p>
+            <a:r>
+              <a:rPr lang="en-GB" sz="2400" dirty="0"/>
               <a:t>It only takes a few areas to be improved to bring about a large impact</a:t>
             </a:r>
-            <a:endParaRPr lang="en-GB" sz="2400" dirty="0"/>
           </a:p>
         </p:txBody>
       </p:sp>
@@ -9363,13 +9037,6 @@
   <p:clrMapOvr>
     <a:masterClrMapping/>
   </p:clrMapOvr>
-  <p:timing>
-    <p:tnLst>
-      <p:par>
-        <p:cTn id="1" dur="indefinite" restart="never" nodeType="tmRoot"/>
-      </p:par>
-    </p:tnLst>
-  </p:timing>
 </p:sld>
 </file>
 
@@ -9406,10 +9073,9 @@
           <a:lstStyle/>
           <a:p>
             <a:r>
-              <a:rPr lang="en-GB" dirty="0" smtClean="0"/>
+              <a:rPr lang="en-GB" dirty="0"/>
               <a:t>Flow</a:t>
             </a:r>
-            <a:endParaRPr lang="en-GB" dirty="0"/>
           </a:p>
         </p:txBody>
       </p:sp>
@@ -9432,12 +9098,8 @@
               <a:buNone/>
             </a:pPr>
             <a:r>
-              <a:rPr lang="en-GB" dirty="0" smtClean="0"/>
-              <a:t>‘Flow</a:t>
-            </a:r>
-            <a:r>
               <a:rPr lang="en-GB" dirty="0"/>
-              <a:t>’ means work that is conducted smoothly and efficiently.</a:t>
+              <a:t>‘Flow’ means work that is conducted smoothly and efficiently.</a:t>
             </a:r>
           </a:p>
           <a:p>
@@ -9481,18 +9143,17 @@
           <a:lstStyle/>
           <a:p>
             <a:r>
-              <a:rPr lang="en-GB" sz="2400" dirty="0" smtClean="0"/>
+              <a:rPr lang="en-GB" sz="2400" dirty="0"/>
               <a:t>Low wait times; even flow, without peaks and troughs (</a:t>
             </a:r>
             <a:r>
-              <a:rPr lang="en-GB" sz="2400" i="1" dirty="0" err="1" smtClean="0"/>
+              <a:rPr lang="en-GB" sz="2400" i="1" dirty="0" err="1"/>
               <a:t>mura</a:t>
             </a:r>
             <a:r>
-              <a:rPr lang="en-GB" sz="2400" dirty="0" smtClean="0"/>
+              <a:rPr lang="en-GB" sz="2400" dirty="0"/>
               <a:t>)</a:t>
             </a:r>
-            <a:endParaRPr lang="en-GB" sz="2400" dirty="0"/>
           </a:p>
         </p:txBody>
       </p:sp>
@@ -9532,30 +9193,29 @@
           <a:lstStyle/>
           <a:p>
             <a:r>
-              <a:rPr lang="en-GB" sz="2400" dirty="0" smtClean="0"/>
+              <a:rPr lang="en-GB" sz="2400" dirty="0"/>
               <a:t>Flow pulled by customers rather than pushed by suppliers: </a:t>
             </a:r>
           </a:p>
           <a:p>
             <a:r>
-              <a:rPr lang="en-GB" sz="2400" dirty="0" smtClean="0"/>
+              <a:rPr lang="en-GB" sz="2400" dirty="0"/>
               <a:t>The </a:t>
             </a:r>
             <a:r>
-              <a:rPr lang="en-GB" sz="2400" u="sng" dirty="0" smtClean="0"/>
+              <a:rPr lang="en-GB" sz="2400" u="sng" dirty="0"/>
               <a:t>customer</a:t>
             </a:r>
             <a:r>
-              <a:rPr lang="en-GB" sz="2400" dirty="0" smtClean="0"/>
+              <a:rPr lang="en-GB" sz="2400" dirty="0"/>
               <a:t> decides how much they want and when</a:t>
             </a:r>
           </a:p>
           <a:p>
             <a:r>
-              <a:rPr lang="en-GB" sz="2400" dirty="0" smtClean="0"/>
+              <a:rPr lang="en-GB" sz="2400" dirty="0"/>
               <a:t>[ITIL: demand pulls capacity, not the other way around]</a:t>
             </a:r>
-            <a:endParaRPr lang="en-GB" sz="2400" dirty="0"/>
           </a:p>
         </p:txBody>
       </p:sp>
@@ -9595,7 +9255,7 @@
           <a:lstStyle/>
           <a:p>
             <a:r>
-              <a:rPr lang="en-GB" sz="2400" dirty="0" smtClean="0"/>
+              <a:rPr lang="en-GB" sz="2400" dirty="0"/>
               <a:t>There are ways of working that can hinder flow:</a:t>
             </a:r>
           </a:p>
@@ -9605,7 +9265,7 @@
               <a:buChar char="•"/>
             </a:pPr>
             <a:r>
-              <a:rPr lang="en-GB" sz="2400" dirty="0" smtClean="0"/>
+              <a:rPr lang="en-GB" sz="2400" dirty="0"/>
               <a:t>Batches</a:t>
             </a:r>
           </a:p>
@@ -9615,7 +9275,7 @@
               <a:buChar char="•"/>
             </a:pPr>
             <a:r>
-              <a:rPr lang="en-GB" sz="2400" dirty="0" smtClean="0"/>
+              <a:rPr lang="en-GB" sz="2400" dirty="0"/>
               <a:t>‘Just In Case’</a:t>
             </a:r>
           </a:p>
@@ -9625,7 +9285,7 @@
               <a:buChar char="•"/>
             </a:pPr>
             <a:r>
-              <a:rPr lang="en-GB" sz="2400" dirty="0" smtClean="0"/>
+              <a:rPr lang="en-GB" sz="2400" dirty="0"/>
               <a:t>Errors</a:t>
             </a:r>
           </a:p>
@@ -9635,10 +9295,9 @@
               <a:buChar char="•"/>
             </a:pPr>
             <a:r>
-              <a:rPr lang="en-GB" sz="2400" dirty="0" smtClean="0"/>
+              <a:rPr lang="en-GB" sz="2400" dirty="0"/>
               <a:t>Departments</a:t>
             </a:r>
-            <a:endParaRPr lang="en-GB" sz="2400" dirty="0"/>
           </a:p>
         </p:txBody>
       </p:sp>
@@ -9924,15 +9583,7 @@
           <a:p>
             <a:r>
               <a:rPr lang="en-GB" dirty="0"/>
-              <a:t>Barriers to </a:t>
-            </a:r>
-            <a:r>
-              <a:rPr lang="en-GB" dirty="0" smtClean="0"/>
-              <a:t>flow 1: </a:t>
-            </a:r>
-            <a:r>
-              <a:rPr lang="en-GB" dirty="0"/>
-              <a:t>Batches</a:t>
+              <a:t>Barriers to flow 1: Batches</a:t>
             </a:r>
           </a:p>
         </p:txBody>
@@ -9961,10 +9612,9 @@
               <a:buNone/>
             </a:pPr>
             <a:r>
-              <a:rPr lang="en-GB" dirty="0" smtClean="0"/>
+              <a:rPr lang="en-GB" dirty="0"/>
               <a:t>Batches can appear to be efficient in isolation</a:t>
             </a:r>
-            <a:endParaRPr lang="en-GB" dirty="0"/>
           </a:p>
         </p:txBody>
       </p:sp>
@@ -10451,10 +10101,9 @@
           <a:lstStyle/>
           <a:p>
             <a:r>
-              <a:rPr lang="en-GB" sz="2400" dirty="0" smtClean="0"/>
+              <a:rPr lang="en-GB" sz="2400" dirty="0"/>
               <a:t>Individual process efficiency increases. Workers and equipment do a lot of the same kind of work without needing to make changes</a:t>
             </a:r>
-            <a:endParaRPr lang="en-GB" sz="2400" dirty="0"/>
           </a:p>
         </p:txBody>
       </p:sp>
@@ -10494,20 +10143,8 @@
           <a:lstStyle/>
           <a:p>
             <a:r>
-              <a:rPr lang="en-GB" sz="2400" dirty="0" smtClean="0"/>
-              <a:t>Overall system efficiency decreases. Delays </a:t>
-            </a:r>
-            <a:r>
               <a:rPr lang="en-GB" sz="2400" dirty="0"/>
-              <a:t>just before and just after </a:t>
-            </a:r>
-            <a:r>
-              <a:rPr lang="en-GB" sz="2400" dirty="0" smtClean="0"/>
-              <a:t>each </a:t>
-            </a:r>
-            <a:r>
-              <a:rPr lang="en-GB" sz="2400" dirty="0"/>
-              <a:t>batch process</a:t>
+              <a:t>Overall system efficiency decreases. Delays just before and just after each batch process</a:t>
             </a:r>
           </a:p>
         </p:txBody>
@@ -10964,10 +10601,9 @@
           <a:lstStyle/>
           <a:p>
             <a:r>
-              <a:rPr lang="en-GB" dirty="0" smtClean="0"/>
+              <a:rPr lang="en-GB" dirty="0"/>
               <a:t>Learn</a:t>
             </a:r>
-            <a:endParaRPr lang="en-GB" dirty="0"/>
           </a:p>
         </p:txBody>
       </p:sp>
@@ -10990,15 +10626,15 @@
               <a:buNone/>
             </a:pPr>
             <a:r>
-              <a:rPr lang="en-GB" dirty="0" smtClean="0"/>
+              <a:rPr lang="en-GB" dirty="0"/>
               <a:t>What are Type 1 and Type 2 </a:t>
             </a:r>
             <a:r>
-              <a:rPr lang="en-GB" dirty="0" err="1" smtClean="0"/>
+              <a:rPr lang="en-GB" dirty="0" err="1"/>
               <a:t>Muda</a:t>
             </a:r>
             <a:r>
-              <a:rPr lang="en-GB" dirty="0" smtClean="0"/>
+              <a:rPr lang="en-GB" dirty="0"/>
               <a:t>?</a:t>
             </a:r>
           </a:p>
@@ -11007,7 +10643,7 @@
               <a:buNone/>
             </a:pPr>
             <a:r>
-              <a:rPr lang="en-GB" dirty="0" smtClean="0"/>
+              <a:rPr lang="en-GB" dirty="0"/>
               <a:t>What is flow?</a:t>
             </a:r>
           </a:p>
@@ -11016,7 +10652,7 @@
               <a:buNone/>
             </a:pPr>
             <a:r>
-              <a:rPr lang="en-GB" dirty="0" smtClean="0"/>
+              <a:rPr lang="en-GB" dirty="0"/>
               <a:t>What is the Law of Velocity?</a:t>
             </a:r>
           </a:p>
@@ -11032,13 +10668,6 @@
   <p:clrMapOvr>
     <a:masterClrMapping/>
   </p:clrMapOvr>
-  <p:timing>
-    <p:tnLst>
-      <p:par>
-        <p:cTn id="1" dur="indefinite" restart="never" nodeType="tmRoot"/>
-      </p:par>
-    </p:tnLst>
-  </p:timing>
 </p:sld>
 </file>
 
@@ -11075,7 +10704,7 @@
           <a:lstStyle/>
           <a:p>
             <a:r>
-              <a:rPr lang="en-GB" smtClean="0"/>
+              <a:rPr lang="en-GB"/>
               <a:t>Batch sizes</a:t>
             </a:r>
             <a:endParaRPr lang="en-GB" dirty="0"/>
@@ -11106,10 +10735,9 @@
               <a:buNone/>
             </a:pPr>
             <a:r>
-              <a:rPr lang="en-GB" dirty="0" smtClean="0"/>
+              <a:rPr lang="en-GB" dirty="0"/>
               <a:t>Large batches prevent us from customising individual items</a:t>
             </a:r>
-            <a:endParaRPr lang="en-GB" dirty="0"/>
           </a:p>
         </p:txBody>
       </p:sp>
@@ -11149,42 +10777,41 @@
           <a:lstStyle/>
           <a:p>
             <a:r>
-              <a:rPr lang="en-GB" dirty="0" smtClean="0"/>
+              <a:rPr lang="en-GB" dirty="0"/>
               <a:t>Can you think of an example where modern technology makes it easy to produce a batch size of one?</a:t>
             </a:r>
           </a:p>
           <a:p>
             <a:r>
-              <a:rPr lang="en-GB" dirty="0" smtClean="0"/>
+              <a:rPr lang="en-GB" dirty="0"/>
               <a:t>Books: previously large printing runs needed; many books unsold and wasted. Now generate one electronic copy when needed</a:t>
             </a:r>
           </a:p>
           <a:p>
             <a:r>
-              <a:rPr lang="en-GB" dirty="0" smtClean="0"/>
+              <a:rPr lang="en-GB" dirty="0"/>
               <a:t>Printing a large batch is </a:t>
             </a:r>
             <a:r>
-              <a:rPr lang="en-GB" dirty="0" err="1" smtClean="0"/>
+              <a:rPr lang="en-GB" dirty="0" err="1"/>
               <a:t>muda</a:t>
             </a:r>
             <a:r>
-              <a:rPr lang="en-GB" dirty="0" smtClean="0"/>
+              <a:rPr lang="en-GB" dirty="0"/>
               <a:t>:</a:t>
             </a:r>
           </a:p>
           <a:p>
             <a:r>
-              <a:rPr lang="en-GB" dirty="0" smtClean="0"/>
+              <a:rPr lang="en-GB" dirty="0"/>
               <a:t>Used to be Type       ?</a:t>
             </a:r>
           </a:p>
           <a:p>
             <a:r>
-              <a:rPr lang="en-GB" dirty="0" smtClean="0"/>
+              <a:rPr lang="en-GB" dirty="0"/>
               <a:t>Now, Type        ?</a:t>
             </a:r>
-            <a:endParaRPr lang="en-GB" dirty="0"/>
           </a:p>
         </p:txBody>
       </p:sp>
@@ -11225,10 +10852,9 @@
           <a:p>
             <a:pPr algn="ctr"/>
             <a:r>
-              <a:rPr lang="en-GB" dirty="0" smtClean="0"/>
+              <a:rPr lang="en-GB" dirty="0"/>
               <a:t>1</a:t>
             </a:r>
-            <a:endParaRPr lang="en-GB" dirty="0"/>
           </a:p>
         </p:txBody>
       </p:sp>
@@ -11269,10 +10895,9 @@
           <a:p>
             <a:pPr algn="ctr"/>
             <a:r>
-              <a:rPr lang="en-GB" dirty="0" smtClean="0"/>
+              <a:rPr lang="en-GB" dirty="0"/>
               <a:t>2</a:t>
             </a:r>
-            <a:endParaRPr lang="en-GB" dirty="0"/>
           </a:p>
         </p:txBody>
       </p:sp>
@@ -11312,16 +10937,15 @@
           <a:lstStyle/>
           <a:p>
             <a:r>
-              <a:rPr lang="en-GB" sz="2000" dirty="0" smtClean="0"/>
+              <a:rPr lang="en-GB" sz="2000" dirty="0"/>
               <a:t>Example: cars.</a:t>
             </a:r>
           </a:p>
           <a:p>
             <a:r>
-              <a:rPr lang="en-GB" sz="2000" dirty="0" smtClean="0"/>
+              <a:rPr lang="en-GB" sz="2000" dirty="0"/>
               <a:t>Each car needs a different colour, seat cover, radio, etc. It’s very hard to identify the right batch size for each specification</a:t>
             </a:r>
-            <a:endParaRPr lang="en-GB" sz="2000" dirty="0"/>
           </a:p>
         </p:txBody>
       </p:sp>
@@ -11361,32 +10985,31 @@
           <a:lstStyle/>
           <a:p>
             <a:r>
-              <a:rPr lang="en-GB" sz="2400" dirty="0" smtClean="0"/>
+              <a:rPr lang="en-GB" sz="2400" dirty="0"/>
               <a:t>Agile software development uses development cycles  (‘sprints’) that involve regular testing of added features (a </a:t>
             </a:r>
             <a:r>
-              <a:rPr lang="en-GB" sz="2400" b="1" dirty="0" smtClean="0"/>
+              <a:rPr lang="en-GB" sz="2400" b="1" dirty="0"/>
               <a:t>batch of 1 feature</a:t>
             </a:r>
             <a:r>
-              <a:rPr lang="en-GB" sz="2400" dirty="0" smtClean="0"/>
+              <a:rPr lang="en-GB" sz="2400" dirty="0"/>
               <a:t> at a time).</a:t>
             </a:r>
           </a:p>
           <a:p>
             <a:r>
-              <a:rPr lang="en-GB" sz="2400" dirty="0" smtClean="0"/>
+              <a:rPr lang="en-GB" sz="2400" dirty="0"/>
               <a:t>Traditionally, an entire system was developed before testing (a </a:t>
             </a:r>
             <a:r>
-              <a:rPr lang="en-GB" sz="2400" b="1" dirty="0" smtClean="0"/>
+              <a:rPr lang="en-GB" sz="2400" b="1" dirty="0"/>
               <a:t>batch of lots of features </a:t>
             </a:r>
             <a:r>
-              <a:rPr lang="en-GB" sz="2400" dirty="0" smtClean="0"/>
+              <a:rPr lang="en-GB" sz="2400" dirty="0"/>
               <a:t>that took a long time)</a:t>
             </a:r>
-            <a:endParaRPr lang="en-GB" sz="2400" dirty="0"/>
           </a:p>
         </p:txBody>
       </p:sp>
@@ -11808,13 +11431,8 @@
           <a:p>
             <a:r>
               <a:rPr lang="en-GB" dirty="0"/>
-              <a:t>Barriers to </a:t>
-            </a:r>
-            <a:r>
-              <a:rPr lang="en-GB" dirty="0" smtClean="0"/>
-              <a:t>flow 2: Just In Case</a:t>
-            </a:r>
-            <a:endParaRPr lang="en-GB" dirty="0"/>
+              <a:t>Barriers to flow 2: Just In Case</a:t>
+            </a:r>
           </a:p>
         </p:txBody>
       </p:sp>
@@ -11839,18 +11457,17 @@
               <a:buNone/>
             </a:pPr>
             <a:r>
-              <a:rPr lang="en-GB" sz="2800" dirty="0" smtClean="0"/>
+              <a:rPr lang="en-GB" sz="2800" dirty="0"/>
               <a:t>We </a:t>
             </a:r>
             <a:r>
-              <a:rPr lang="en-GB" sz="2800" i="1" dirty="0" smtClean="0"/>
+              <a:rPr lang="en-GB" sz="2800" i="1" dirty="0"/>
               <a:t>could</a:t>
             </a:r>
             <a:r>
-              <a:rPr lang="en-GB" sz="2800" dirty="0" smtClean="0"/>
+              <a:rPr lang="en-GB" sz="2800" dirty="0"/>
               <a:t> produce items ahead of time, then we can use them instantly, just in case we need them later</a:t>
             </a:r>
-            <a:endParaRPr lang="en-GB" sz="2800" dirty="0"/>
           </a:p>
         </p:txBody>
       </p:sp>
@@ -11890,28 +11507,27 @@
           <a:lstStyle/>
           <a:p>
             <a:r>
-              <a:rPr lang="en-GB" sz="2400" dirty="0" smtClean="0"/>
+              <a:rPr lang="en-GB" sz="2400" dirty="0"/>
               <a:t>Why does this hinder flow?</a:t>
             </a:r>
           </a:p>
           <a:p>
             <a:r>
-              <a:rPr lang="en-GB" sz="2400" dirty="0" smtClean="0"/>
+              <a:rPr lang="en-GB" sz="2400" dirty="0"/>
               <a:t>Lots of Work In Progress (WIP) ties up capital, components, storage space, wastes time.</a:t>
             </a:r>
           </a:p>
           <a:p>
             <a:r>
-              <a:rPr lang="en-GB" sz="2400" dirty="0" smtClean="0"/>
+              <a:rPr lang="en-GB" sz="2400" dirty="0"/>
               <a:t>We might end up not needing them:</a:t>
             </a:r>
           </a:p>
           <a:p>
             <a:r>
-              <a:rPr lang="en-GB" sz="2400" dirty="0" smtClean="0"/>
+              <a:rPr lang="en-GB" sz="2400" dirty="0"/>
               <a:t>Items become obsolete, items get damaged</a:t>
             </a:r>
-            <a:endParaRPr lang="en-GB" sz="2400" dirty="0"/>
           </a:p>
         </p:txBody>
       </p:sp>
@@ -11951,22 +11567,21 @@
           <a:lstStyle/>
           <a:p>
             <a:r>
-              <a:rPr lang="en-GB" sz="2000" dirty="0" smtClean="0"/>
+              <a:rPr lang="en-GB" sz="2000" dirty="0"/>
               <a:t>Alternative:</a:t>
             </a:r>
           </a:p>
           <a:p>
             <a:r>
-              <a:rPr lang="en-GB" sz="2000" dirty="0" smtClean="0"/>
+              <a:rPr lang="en-GB" sz="2000" dirty="0"/>
               <a:t>Just In Time. </a:t>
             </a:r>
           </a:p>
           <a:p>
             <a:r>
-              <a:rPr lang="en-GB" sz="2000" dirty="0" smtClean="0"/>
+              <a:rPr lang="en-GB" sz="2000" dirty="0"/>
               <a:t>If components arrive exactly when you want them, you never need to store anything</a:t>
             </a:r>
-            <a:endParaRPr lang="en-GB" sz="2000" dirty="0"/>
           </a:p>
         </p:txBody>
       </p:sp>
@@ -12006,14 +11621,13 @@
           <a:lstStyle/>
           <a:p>
             <a:r>
-              <a:rPr lang="en-GB" sz="2400" dirty="0" smtClean="0"/>
+              <a:rPr lang="en-GB" sz="2400" dirty="0"/>
               <a:t>In software development, we could waste effort developing features customers don’t want (“just in case someone does want it”). Not providing </a:t>
             </a:r>
             <a:r>
-              <a:rPr lang="en-GB" sz="2400" b="1" dirty="0" smtClean="0"/>
+              <a:rPr lang="en-GB" sz="2400" b="1" dirty="0"/>
               <a:t>value</a:t>
             </a:r>
-            <a:endParaRPr lang="en-GB" sz="2400" b="1" dirty="0"/>
           </a:p>
         </p:txBody>
       </p:sp>
@@ -12410,13 +12024,8 @@
           <a:p>
             <a:r>
               <a:rPr lang="en-GB" dirty="0"/>
-              <a:t>Barriers to </a:t>
-            </a:r>
-            <a:r>
-              <a:rPr lang="en-GB" dirty="0" smtClean="0"/>
-              <a:t>flow 3: Errors</a:t>
-            </a:r>
-            <a:endParaRPr lang="en-GB" dirty="0"/>
+              <a:t>Barriers to flow 3: Errors</a:t>
+            </a:r>
           </a:p>
         </p:txBody>
       </p:sp>
@@ -12453,46 +12062,20 @@
           <a:p>
             <a:r>
               <a:rPr lang="en-GB" dirty="0"/>
-              <a:t>Work </a:t>
-            </a:r>
-            <a:r>
-              <a:rPr lang="en-GB" dirty="0" smtClean="0"/>
-              <a:t>is wasted</a:t>
-            </a:r>
+              <a:t>Work is wasted.</a:t>
+            </a:r>
+          </a:p>
+          <a:p>
             <a:r>
               <a:rPr lang="en-GB" dirty="0"/>
-              <a:t>.</a:t>
+              <a:t>Further work required to correct errors</a:t>
             </a:r>
           </a:p>
           <a:p>
             <a:r>
               <a:rPr lang="en-GB" dirty="0"/>
-              <a:t>Further work </a:t>
-            </a:r>
-            <a:r>
-              <a:rPr lang="en-GB" dirty="0" smtClean="0"/>
-              <a:t>required </a:t>
-            </a:r>
-            <a:r>
-              <a:rPr lang="en-GB" dirty="0"/>
-              <a:t>to correct </a:t>
-            </a:r>
-            <a:r>
-              <a:rPr lang="en-GB" dirty="0" smtClean="0"/>
-              <a:t>errors</a:t>
-            </a:r>
-            <a:endParaRPr lang="en-GB" dirty="0"/>
-          </a:p>
-          <a:p>
-            <a:r>
-              <a:rPr lang="en-GB" dirty="0"/>
-              <a:t>Downstream processes are </a:t>
-            </a:r>
-            <a:r>
-              <a:rPr lang="en-GB" dirty="0" smtClean="0"/>
-              <a:t>delayed</a:t>
-            </a:r>
-            <a:endParaRPr lang="en-GB" dirty="0"/>
+              <a:t>Downstream processes are delayed</a:t>
+            </a:r>
           </a:p>
           <a:p>
             <a:r>
@@ -12500,22 +12083,18 @@
               <a:t>Reworked items are often of a lower standard, are less reliable, </a:t>
             </a:r>
             <a:r>
-              <a:rPr lang="en-GB" dirty="0" err="1" smtClean="0"/>
+              <a:rPr lang="en-GB" dirty="0" err="1"/>
               <a:t>etc</a:t>
             </a:r>
             <a:r>
-              <a:rPr lang="en-GB" dirty="0" smtClean="0"/>
+              <a:rPr lang="en-GB" dirty="0"/>
               <a:t> </a:t>
             </a:r>
           </a:p>
           <a:p>
             <a:r>
-              <a:rPr lang="en-GB" dirty="0" smtClean="0"/>
-              <a:t>Delayed orders lead </a:t>
-            </a:r>
-            <a:r>
               <a:rPr lang="en-GB" dirty="0"/>
-              <a:t>to dissatisfaction.</a:t>
+              <a:t>Delayed orders lead to dissatisfaction.</a:t>
             </a:r>
           </a:p>
         </p:txBody>
@@ -12556,30 +12135,29 @@
           <a:lstStyle/>
           <a:p>
             <a:r>
-              <a:rPr lang="en-GB" sz="2400" dirty="0" smtClean="0"/>
+              <a:rPr lang="en-GB" sz="2400" dirty="0"/>
               <a:t>Lean Thinking:</a:t>
             </a:r>
           </a:p>
           <a:p>
             <a:r>
-              <a:rPr lang="en-GB" sz="2400" i="1" dirty="0" err="1" smtClean="0"/>
+              <a:rPr lang="en-GB" sz="2400" i="1" dirty="0" err="1"/>
               <a:t>Poka</a:t>
             </a:r>
             <a:r>
-              <a:rPr lang="en-GB" sz="2400" i="1" dirty="0" smtClean="0"/>
+              <a:rPr lang="en-GB" sz="2400" i="1" dirty="0"/>
               <a:t> yoke</a:t>
             </a:r>
             <a:r>
-              <a:rPr lang="en-GB" sz="2400" dirty="0" smtClean="0"/>
+              <a:rPr lang="en-GB" sz="2400" dirty="0"/>
               <a:t>: in built preventative measures.</a:t>
             </a:r>
           </a:p>
           <a:p>
             <a:r>
-              <a:rPr lang="en-GB" sz="2400" dirty="0" smtClean="0"/>
+              <a:rPr lang="en-GB" sz="2400" dirty="0"/>
               <a:t>Example: entering a date into a system-select from a calendar rather than type in</a:t>
             </a:r>
-            <a:endParaRPr lang="en-GB" sz="2400" dirty="0"/>
           </a:p>
         </p:txBody>
       </p:sp>
@@ -12619,18 +12197,17 @@
           <a:lstStyle/>
           <a:p>
             <a:r>
-              <a:rPr lang="en-GB" sz="2400" dirty="0" smtClean="0"/>
+              <a:rPr lang="en-GB" sz="2400" dirty="0"/>
               <a:t>Which of these disrupt </a:t>
             </a:r>
             <a:r>
-              <a:rPr lang="en-GB" sz="2400" b="1" dirty="0" smtClean="0"/>
+              <a:rPr lang="en-GB" sz="2400" b="1" dirty="0"/>
               <a:t>flow</a:t>
             </a:r>
             <a:r>
-              <a:rPr lang="en-GB" sz="2400" dirty="0" smtClean="0"/>
+              <a:rPr lang="en-GB" sz="2400" dirty="0"/>
               <a:t>?</a:t>
             </a:r>
-            <a:endParaRPr lang="en-GB" sz="2400" dirty="0"/>
           </a:p>
         </p:txBody>
       </p:sp>
@@ -13101,15 +12678,7 @@
           <a:p>
             <a:r>
               <a:rPr lang="en-GB" dirty="0"/>
-              <a:t>Barriers to </a:t>
-            </a:r>
-            <a:r>
-              <a:rPr lang="en-GB" dirty="0" smtClean="0"/>
-              <a:t>flow 4: </a:t>
-            </a:r>
-            <a:r>
-              <a:rPr lang="en-GB" dirty="0"/>
-              <a:t>Departments</a:t>
+              <a:t>Barriers to flow 4: Departments</a:t>
             </a:r>
           </a:p>
         </p:txBody>
@@ -13802,14 +13371,11 @@
           <a:p>
             <a:pPr algn="ctr"/>
             <a:r>
-              <a:rPr lang="en-GB" altLang="en-US" b="1" dirty="0" smtClean="0">
+              <a:rPr lang="en-GB" altLang="en-US" b="1" dirty="0">
                 <a:latin typeface="Arial" panose="020B0604020202020204" pitchFamily="34" charset="0"/>
               </a:rPr>
               <a:t>Accounting</a:t>
             </a:r>
-            <a:endParaRPr lang="en-GB" altLang="en-US" b="1" dirty="0">
-              <a:latin typeface="Arial" panose="020B0604020202020204" pitchFamily="34" charset="0"/>
-            </a:endParaRPr>
           </a:p>
         </p:txBody>
       </p:sp>
@@ -13887,10 +13453,9 @@
           <a:lstStyle/>
           <a:p>
             <a:r>
-              <a:rPr lang="en-GB" dirty="0" smtClean="0"/>
+              <a:rPr lang="en-GB" dirty="0"/>
               <a:t>Traditionally, group people who do similar tasks</a:t>
             </a:r>
-            <a:endParaRPr lang="en-GB" dirty="0"/>
           </a:p>
         </p:txBody>
       </p:sp>
@@ -17113,10 +16678,9 @@
           <a:lstStyle/>
           <a:p>
             <a:r>
-              <a:rPr lang="en-GB" dirty="0" smtClean="0"/>
+              <a:rPr lang="en-GB" dirty="0"/>
               <a:t>Alternatively, group people who work on the same product or service</a:t>
             </a:r>
-            <a:endParaRPr lang="en-GB" dirty="0"/>
           </a:p>
         </p:txBody>
       </p:sp>
@@ -17156,10 +16720,9 @@
           <a:lstStyle/>
           <a:p>
             <a:r>
-              <a:rPr lang="en-GB" sz="2400" dirty="0" smtClean="0"/>
+              <a:rPr lang="en-GB" sz="2400" dirty="0"/>
               <a:t>Work might become disjointed, lack of communication, delays</a:t>
             </a:r>
-            <a:endParaRPr lang="en-GB" sz="2400" dirty="0"/>
           </a:p>
         </p:txBody>
       </p:sp>
@@ -17260,21 +16823,8 @@
                   <a:schemeClr val="tx1"/>
                 </a:solidFill>
               </a:rPr>
-              <a:t>Product </a:t>
-            </a:r>
-            <a:r>
-              <a:rPr lang="en-GB" sz="1200" b="1" dirty="0" smtClean="0">
-                <a:solidFill>
-                  <a:schemeClr val="tx1"/>
-                </a:solidFill>
-              </a:rPr>
-              <a:t>B</a:t>
-            </a:r>
-            <a:endParaRPr lang="en-GB" sz="1200" b="1" dirty="0">
-              <a:solidFill>
-                <a:schemeClr val="tx1"/>
-              </a:solidFill>
-            </a:endParaRPr>
+              <a:t>Product B</a:t>
+            </a:r>
           </a:p>
         </p:txBody>
       </p:sp>
@@ -17324,21 +16874,8 @@
                   <a:schemeClr val="tx1"/>
                 </a:solidFill>
               </a:rPr>
-              <a:t>Product </a:t>
-            </a:r>
-            <a:r>
-              <a:rPr lang="en-GB" sz="1200" b="1" dirty="0" smtClean="0">
-                <a:solidFill>
-                  <a:schemeClr val="tx1"/>
-                </a:solidFill>
-              </a:rPr>
-              <a:t>C</a:t>
-            </a:r>
-            <a:endParaRPr lang="en-GB" sz="1200" b="1" dirty="0">
-              <a:solidFill>
-                <a:schemeClr val="tx1"/>
-              </a:solidFill>
-            </a:endParaRPr>
+              <a:t>Product C</a:t>
+            </a:r>
           </a:p>
         </p:txBody>
       </p:sp>
@@ -17439,21 +16976,8 @@
                   <a:schemeClr val="tx1"/>
                 </a:solidFill>
               </a:rPr>
-              <a:t>Product </a:t>
-            </a:r>
-            <a:r>
-              <a:rPr lang="en-GB" sz="1200" b="1" dirty="0" smtClean="0">
-                <a:solidFill>
-                  <a:schemeClr val="tx1"/>
-                </a:solidFill>
-              </a:rPr>
-              <a:t>B</a:t>
-            </a:r>
-            <a:endParaRPr lang="en-GB" sz="1200" b="1" dirty="0">
-              <a:solidFill>
-                <a:schemeClr val="tx1"/>
-              </a:solidFill>
-            </a:endParaRPr>
+              <a:t>Product B</a:t>
+            </a:r>
           </a:p>
         </p:txBody>
       </p:sp>
@@ -17503,21 +17027,8 @@
                   <a:schemeClr val="tx1"/>
                 </a:solidFill>
               </a:rPr>
-              <a:t>Product </a:t>
-            </a:r>
-            <a:r>
-              <a:rPr lang="en-GB" sz="1200" b="1" dirty="0" smtClean="0">
-                <a:solidFill>
-                  <a:schemeClr val="tx1"/>
-                </a:solidFill>
-              </a:rPr>
-              <a:t>C</a:t>
-            </a:r>
-            <a:endParaRPr lang="en-GB" sz="1200" b="1" dirty="0">
-              <a:solidFill>
-                <a:schemeClr val="tx1"/>
-              </a:solidFill>
-            </a:endParaRPr>
+              <a:t>Product C</a:t>
+            </a:r>
           </a:p>
         </p:txBody>
       </p:sp>
@@ -17618,21 +17129,8 @@
                   <a:schemeClr val="tx1"/>
                 </a:solidFill>
               </a:rPr>
-              <a:t>Product </a:t>
-            </a:r>
-            <a:r>
-              <a:rPr lang="en-GB" sz="1200" b="1" dirty="0" smtClean="0">
-                <a:solidFill>
-                  <a:schemeClr val="tx1"/>
-                </a:solidFill>
-              </a:rPr>
-              <a:t>B</a:t>
-            </a:r>
-            <a:endParaRPr lang="en-GB" sz="1200" b="1" dirty="0">
-              <a:solidFill>
-                <a:schemeClr val="tx1"/>
-              </a:solidFill>
-            </a:endParaRPr>
+              <a:t>Product B</a:t>
+            </a:r>
           </a:p>
         </p:txBody>
       </p:sp>
@@ -17682,21 +17180,8 @@
                   <a:schemeClr val="tx1"/>
                 </a:solidFill>
               </a:rPr>
-              <a:t>Product </a:t>
-            </a:r>
-            <a:r>
-              <a:rPr lang="en-GB" sz="1200" b="1" dirty="0" smtClean="0">
-                <a:solidFill>
-                  <a:schemeClr val="tx1"/>
-                </a:solidFill>
-              </a:rPr>
-              <a:t>C</a:t>
-            </a:r>
-            <a:endParaRPr lang="en-GB" sz="1200" b="1" dirty="0">
-              <a:solidFill>
-                <a:schemeClr val="tx1"/>
-              </a:solidFill>
-            </a:endParaRPr>
+              <a:t>Product C</a:t>
+            </a:r>
           </a:p>
         </p:txBody>
       </p:sp>
@@ -19105,15 +18590,7 @@
           <a:p>
             <a:r>
               <a:rPr lang="en-GB" dirty="0"/>
-              <a:t>3.  The third law: </a:t>
-            </a:r>
-            <a:r>
-              <a:rPr lang="en-GB" dirty="0" smtClean="0"/>
-              <a:t>the </a:t>
-            </a:r>
-            <a:r>
-              <a:rPr lang="en-GB" dirty="0"/>
-              <a:t>Law of Velocity</a:t>
+              <a:t>3.  The third law: the Law of Velocity</a:t>
             </a:r>
           </a:p>
         </p:txBody>
@@ -19179,7 +18656,7 @@
           <a:lstStyle/>
           <a:p>
             <a:r>
-              <a:rPr lang="en-GB" sz="2400" dirty="0" smtClean="0"/>
+              <a:rPr lang="en-GB" sz="2400" dirty="0"/>
               <a:t>The more work in progress (unfinished tasks), the slower the overall process. </a:t>
             </a:r>
           </a:p>
@@ -19189,16 +18666,12 @@
               <a:buChar char="•"/>
             </a:pPr>
             <a:r>
-              <a:rPr lang="en-GB" sz="2400" b="1" dirty="0" smtClean="0"/>
+              <a:rPr lang="en-GB" sz="2400" b="1" dirty="0"/>
               <a:t>Batches</a:t>
             </a:r>
             <a:r>
-              <a:rPr lang="en-GB" sz="2400" dirty="0" smtClean="0"/>
-              <a:t> create </a:t>
-            </a:r>
-            <a:r>
               <a:rPr lang="en-GB" sz="2400" dirty="0"/>
-              <a:t>a lot of WIP.</a:t>
+              <a:t> create a lot of WIP.</a:t>
             </a:r>
           </a:p>
           <a:p>
@@ -19207,30 +18680,13 @@
               <a:buChar char="•"/>
             </a:pPr>
             <a:r>
-              <a:rPr lang="en-GB" sz="2400" b="1" dirty="0" smtClean="0"/>
-              <a:t>‘</a:t>
-            </a:r>
-            <a:r>
               <a:rPr lang="en-GB" sz="2400" b="1" dirty="0"/>
-              <a:t>Just In Case</a:t>
-            </a:r>
-            <a:r>
-              <a:rPr lang="en-GB" sz="2400" b="1" dirty="0" smtClean="0"/>
-              <a:t>’ </a:t>
-            </a:r>
-            <a:r>
-              <a:rPr lang="en-GB" sz="2400" dirty="0" smtClean="0"/>
-              <a:t>creates </a:t>
+              <a:t>‘Just In Case’ </a:t>
             </a:r>
             <a:r>
               <a:rPr lang="en-GB" sz="2400" dirty="0"/>
-              <a:t>a lot of WIP</a:t>
-            </a:r>
-            <a:r>
-              <a:rPr lang="en-GB" sz="2400" dirty="0" smtClean="0"/>
-              <a:t>.</a:t>
-            </a:r>
-            <a:endParaRPr lang="en-GB" sz="2400" dirty="0"/>
+              <a:t>creates a lot of WIP.</a:t>
+            </a:r>
           </a:p>
           <a:p>
             <a:pPr marL="342900" indent="-342900">
@@ -19238,22 +18694,13 @@
               <a:buChar char="•"/>
             </a:pPr>
             <a:r>
-              <a:rPr lang="en-GB" sz="2400" b="1" dirty="0" smtClean="0"/>
+              <a:rPr lang="en-GB" sz="2400" b="1" dirty="0"/>
               <a:t>Errors</a:t>
             </a:r>
             <a:r>
-              <a:rPr lang="en-GB" sz="2400" dirty="0" smtClean="0"/>
-              <a:t> create </a:t>
-            </a:r>
-            <a:r>
               <a:rPr lang="en-GB" sz="2400" dirty="0"/>
-              <a:t>a lot of WIP</a:t>
-            </a:r>
-            <a:r>
-              <a:rPr lang="en-GB" sz="2400" dirty="0" smtClean="0"/>
-              <a:t>.</a:t>
-            </a:r>
-            <a:endParaRPr lang="en-GB" sz="2400" dirty="0"/>
+              <a:t> create a lot of WIP.</a:t>
+            </a:r>
           </a:p>
           <a:p>
             <a:pPr marL="342900" indent="-342900">
@@ -19261,22 +18708,13 @@
               <a:buChar char="•"/>
             </a:pPr>
             <a:r>
-              <a:rPr lang="en-GB" sz="2400" b="1" dirty="0" smtClean="0"/>
+              <a:rPr lang="en-GB" sz="2400" b="1" dirty="0"/>
               <a:t>Departments</a:t>
             </a:r>
             <a:r>
-              <a:rPr lang="en-GB" sz="2400" dirty="0" smtClean="0"/>
-              <a:t> create </a:t>
-            </a:r>
-            <a:r>
               <a:rPr lang="en-GB" sz="2400" dirty="0"/>
-              <a:t>a lot of WIP</a:t>
-            </a:r>
-            <a:r>
-              <a:rPr lang="en-GB" sz="2400" dirty="0" smtClean="0"/>
-              <a:t>.</a:t>
-            </a:r>
-            <a:endParaRPr lang="en-GB" sz="2400" dirty="0"/>
+              <a:t> create a lot of WIP.</a:t>
+            </a:r>
           </a:p>
         </p:txBody>
       </p:sp>
@@ -19290,13 +18728,6 @@
   <p:clrMapOvr>
     <a:masterClrMapping/>
   </p:clrMapOvr>
-  <p:timing>
-    <p:tnLst>
-      <p:par>
-        <p:cTn id="1" dur="indefinite" restart="never" nodeType="tmRoot"/>
-      </p:par>
-    </p:tnLst>
-  </p:timing>
 </p:sld>
 </file>
 
@@ -19336,15 +18767,7 @@
           <a:p>
             <a:r>
               <a:rPr lang="en-GB" dirty="0"/>
-              <a:t>4.  The fourth and last law: </a:t>
-            </a:r>
-            <a:r>
-              <a:rPr lang="en-GB" dirty="0" smtClean="0"/>
-              <a:t>The </a:t>
-            </a:r>
-            <a:r>
-              <a:rPr lang="en-GB" dirty="0"/>
-              <a:t>Law of Complexity and Cost</a:t>
+              <a:t>4.  The fourth and last law: The Law of Complexity and Cost</a:t>
             </a:r>
           </a:p>
         </p:txBody>
@@ -19368,12 +18791,8 @@
               <a:buNone/>
             </a:pPr>
             <a:r>
-              <a:rPr lang="en-GB" dirty="0" smtClean="0"/>
-              <a:t>“</a:t>
-            </a:r>
-            <a:r>
               <a:rPr lang="en-GB" dirty="0"/>
-              <a:t>The complexity of the service or product offering adds more non-value, costs, and WIP than either poor quality (low sigma) or slow speed (</a:t>
+              <a:t>“The complexity of the service or product offering adds more non-value, costs, and WIP than either poor quality (low sigma) or slow speed (</a:t>
             </a:r>
             <a:r>
               <a:rPr lang="en-GB" dirty="0" err="1"/>
@@ -19381,13 +18800,8 @@
             </a:r>
             <a:r>
               <a:rPr lang="en-GB" dirty="0"/>
-              <a:t>) process problems</a:t>
-            </a:r>
-            <a:r>
-              <a:rPr lang="en-GB" dirty="0" smtClean="0"/>
-              <a:t>.”</a:t>
-            </a:r>
-            <a:endParaRPr lang="en-GB" dirty="0"/>
+              <a:t>) process problems.”</a:t>
+            </a:r>
           </a:p>
         </p:txBody>
       </p:sp>
@@ -19427,13 +18841,13 @@
           <a:lstStyle/>
           <a:p>
             <a:r>
-              <a:rPr lang="en-GB" sz="2400" dirty="0" smtClean="0"/>
+              <a:rPr lang="en-GB" sz="2400" dirty="0"/>
               <a:t>We should aim to develop the minimum viable solution.</a:t>
             </a:r>
           </a:p>
           <a:p>
             <a:r>
-              <a:rPr lang="en-GB" sz="2400" dirty="0" smtClean="0"/>
+              <a:rPr lang="en-GB" sz="2400" dirty="0"/>
               <a:t>Do what needs to be done, no more</a:t>
             </a:r>
           </a:p>
@@ -19449,13 +18863,6 @@
   <p:clrMapOvr>
     <a:masterClrMapping/>
   </p:clrMapOvr>
-  <p:timing>
-    <p:tnLst>
-      <p:par>
-        <p:cTn id="1" dur="indefinite" restart="never" nodeType="tmRoot"/>
-      </p:par>
-    </p:tnLst>
-  </p:timing>
 </p:sld>
 </file>
 
@@ -19492,10 +18899,9 @@
           <a:lstStyle/>
           <a:p>
             <a:r>
-              <a:rPr lang="en-GB" dirty="0" smtClean="0"/>
+              <a:rPr lang="en-GB" dirty="0"/>
               <a:t>Conclusions</a:t>
             </a:r>
-            <a:endParaRPr lang="en-GB" dirty="0"/>
           </a:p>
         </p:txBody>
       </p:sp>
@@ -19636,16 +19042,15 @@
           <a:lstStyle/>
           <a:p>
             <a:r>
-              <a:rPr lang="en-GB" sz="2400" dirty="0" smtClean="0"/>
+              <a:rPr lang="en-GB" sz="2400" dirty="0"/>
               <a:t>Lean Thinking is applicable to software development.</a:t>
             </a:r>
           </a:p>
           <a:p>
             <a:r>
-              <a:rPr lang="en-GB" sz="2400" dirty="0" smtClean="0"/>
+              <a:rPr lang="en-GB" sz="2400" dirty="0"/>
               <a:t>We will look at how it relates to Agile in particular next time</a:t>
             </a:r>
-            <a:endParaRPr lang="en-GB" sz="2400" dirty="0"/>
           </a:p>
         </p:txBody>
       </p:sp>
@@ -19818,10 +19223,9 @@
           <a:lstStyle/>
           <a:p>
             <a:r>
-              <a:rPr lang="en-GB" dirty="0" smtClean="0"/>
+              <a:rPr lang="en-GB" dirty="0"/>
               <a:t>Five laws</a:t>
             </a:r>
-            <a:endParaRPr lang="en-GB" dirty="0"/>
           </a:p>
         </p:txBody>
       </p:sp>
@@ -19890,10 +19294,9 @@
           <a:lstStyle/>
           <a:p>
             <a:r>
-              <a:rPr lang="en-GB" sz="2400" dirty="0" smtClean="0"/>
+              <a:rPr lang="en-GB" sz="2400" dirty="0"/>
               <a:t>Provide value from the customer perspective</a:t>
             </a:r>
-            <a:endParaRPr lang="en-GB" sz="2400" dirty="0"/>
           </a:p>
         </p:txBody>
       </p:sp>
@@ -19969,10 +19372,9 @@
           <a:lstStyle/>
           <a:p>
             <a:r>
-              <a:rPr lang="en-GB" sz="2400" dirty="0" smtClean="0"/>
+              <a:rPr lang="en-GB" sz="2400" dirty="0"/>
               <a:t>Being receptive to changes allows us to optimise performance</a:t>
             </a:r>
-            <a:endParaRPr lang="en-GB" sz="2400" dirty="0"/>
           </a:p>
         </p:txBody>
       </p:sp>
@@ -20048,10 +19450,9 @@
           <a:lstStyle/>
           <a:p>
             <a:r>
-              <a:rPr lang="en-GB" sz="2400" dirty="0" smtClean="0"/>
+              <a:rPr lang="en-GB" sz="2400" dirty="0"/>
               <a:t>Minimising work in progress (unfinished tasks) gets to the goal quicker</a:t>
             </a:r>
-            <a:endParaRPr lang="en-GB" sz="2400" dirty="0"/>
           </a:p>
         </p:txBody>
       </p:sp>
@@ -20127,10 +19528,9 @@
           <a:lstStyle/>
           <a:p>
             <a:r>
-              <a:rPr lang="en-GB" sz="2400" dirty="0" smtClean="0"/>
+              <a:rPr lang="en-GB" sz="2400" dirty="0"/>
               <a:t>Work only on what we need to, producing the minimum viable solution</a:t>
             </a:r>
-            <a:endParaRPr lang="en-GB" sz="2400" dirty="0"/>
           </a:p>
         </p:txBody>
       </p:sp>
@@ -20206,10 +19606,9 @@
           <a:lstStyle/>
           <a:p>
             <a:r>
-              <a:rPr lang="en-GB" sz="2400" dirty="0" smtClean="0"/>
+              <a:rPr lang="en-GB" sz="2400" dirty="0"/>
               <a:t>A few small changes can have a big overall impact</a:t>
             </a:r>
-            <a:endParaRPr lang="en-GB" sz="2400" dirty="0"/>
           </a:p>
         </p:txBody>
       </p:sp>
@@ -20570,10 +19969,9 @@
           <a:lstStyle/>
           <a:p>
             <a:r>
-              <a:rPr lang="en-GB" dirty="0" smtClean="0"/>
+              <a:rPr lang="en-GB" dirty="0"/>
               <a:t>Summary</a:t>
             </a:r>
-            <a:endParaRPr lang="en-GB" dirty="0"/>
           </a:p>
         </p:txBody>
       </p:sp>
@@ -20623,13 +20021,8 @@
             </a:pPr>
             <a:r>
               <a:rPr lang="en-GB" dirty="0"/>
-              <a:t>What is the Law of Velocity</a:t>
-            </a:r>
-            <a:r>
-              <a:rPr lang="en-GB" dirty="0" smtClean="0"/>
-              <a:t>?</a:t>
-            </a:r>
-            <a:endParaRPr lang="en-GB" dirty="0"/>
+              <a:t>What is the Law of Velocity?</a:t>
+            </a:r>
           </a:p>
         </p:txBody>
       </p:sp>
@@ -20643,13 +20036,6 @@
   <p:clrMapOvr>
     <a:masterClrMapping/>
   </p:clrMapOvr>
-  <p:timing>
-    <p:tnLst>
-      <p:par>
-        <p:cTn id="1" dur="indefinite" restart="never" nodeType="tmRoot"/>
-      </p:par>
-    </p:tnLst>
-  </p:timing>
 </p:sld>
 </file>
 
@@ -20710,16 +20096,12 @@
           <a:lstStyle/>
           <a:p>
             <a:r>
-              <a:rPr lang="en-GB" dirty="0" err="1" smtClean="0"/>
+              <a:rPr lang="en-GB" dirty="0" err="1"/>
               <a:t>LucidChart</a:t>
             </a:r>
             <a:r>
-              <a:rPr lang="en-GB" dirty="0" smtClean="0"/>
-              <a:t> </a:t>
-            </a:r>
-            <a:r>
               <a:rPr lang="en-GB" dirty="0"/>
-              <a:t>(2016) </a:t>
+              <a:t> (2016) </a:t>
             </a:r>
             <a:r>
               <a:rPr lang="en-GB" i="1" dirty="0"/>
@@ -20733,18 +20115,14 @@
               <a:rPr lang="en-GB" dirty="0"/>
             </a:br>
             <a:r>
-              <a:rPr lang="en-GB" sz="2300" dirty="0" smtClean="0">
+              <a:rPr lang="en-GB" sz="2300" dirty="0">
                 <a:hlinkClick r:id="rId2"/>
               </a:rPr>
               <a:t>www.lucidchart.com/pages/value-stream-mapping</a:t>
             </a:r>
             <a:r>
-              <a:rPr lang="en-GB" sz="2300" dirty="0" smtClean="0"/>
-              <a:t> (</a:t>
-            </a:r>
-            <a:r>
               <a:rPr lang="en-GB" sz="2300" dirty="0"/>
-              <a:t>accessed 25 Nov 16)</a:t>
+              <a:t> (accessed 25 Nov 16)</a:t>
             </a:r>
             <a:endParaRPr lang="en-GB" sz="1800" dirty="0"/>
           </a:p>
@@ -20769,21 +20147,11 @@
               <a:rPr lang="en-GB" sz="2300" dirty="0">
                 <a:hlinkClick r:id="rId3"/>
               </a:rPr>
-              <a:t>https://</a:t>
-            </a:r>
-            <a:r>
-              <a:rPr lang="en-GB" sz="2300" dirty="0" smtClean="0">
-                <a:hlinkClick r:id="rId3"/>
-              </a:rPr>
-              <a:t>www.minitab.com/uploadedFiles/Documents/sample-materials/TrainingSampleValueStreamQC3.pdf</a:t>
-            </a:r>
-            <a:r>
-              <a:rPr lang="en-GB" sz="2300" dirty="0" smtClean="0"/>
-              <a:t>  </a:t>
+              <a:t>https://www.minitab.com/uploadedFiles/Documents/sample-materials/TrainingSampleValueStreamQC3.pdf</a:t>
             </a:r>
             <a:r>
               <a:rPr lang="en-GB" sz="2300" dirty="0"/>
-              <a:t>(accessed 25 Nov 16)</a:t>
+              <a:t>  (accessed 25 Nov 16)</a:t>
             </a:r>
             <a:endParaRPr lang="en-GB" sz="1800" dirty="0"/>
           </a:p>
@@ -20829,21 +20197,11 @@
               <a:rPr lang="en-GB" sz="2100" dirty="0">
                 <a:hlinkClick r:id="rId4"/>
               </a:rPr>
-              <a:t>http://</a:t>
-            </a:r>
-            <a:r>
-              <a:rPr lang="en-GB" sz="2100" dirty="0" smtClean="0">
-                <a:hlinkClick r:id="rId4"/>
-              </a:rPr>
-              <a:t>courses.washington.edu/ie337/Value_Stream_Mapping.pdf</a:t>
-            </a:r>
-            <a:r>
-              <a:rPr lang="en-GB" sz="2100" dirty="0" smtClean="0"/>
-              <a:t> (</a:t>
+              <a:t>http://courses.washington.edu/ie337/Value_Stream_Mapping.pdf</a:t>
             </a:r>
             <a:r>
               <a:rPr lang="en-GB" sz="2100" dirty="0"/>
-              <a:t>accessed 5 Jan 17)</a:t>
+              <a:t> (accessed 5 Jan 17)</a:t>
             </a:r>
             <a:endParaRPr lang="en-GB" dirty="0"/>
           </a:p>
@@ -20873,21 +20231,6 @@
   <p:clrMapOvr>
     <a:masterClrMapping/>
   </p:clrMapOvr>
-  <mc:AlternateContent xmlns:mc="http://schemas.openxmlformats.org/markup-compatibility/2006" xmlns:p14="http://schemas.microsoft.com/office/powerpoint/2010/main">
-    <mc:Choice Requires="p14">
-      <p:transition spd="slow" p14:dur="2000"/>
-    </mc:Choice>
-    <mc:Fallback xmlns="">
-      <p:transition spd="slow"/>
-    </mc:Fallback>
-  </mc:AlternateContent>
-  <p:timing>
-    <p:tnLst>
-      <p:par>
-        <p:cTn id="1" dur="indefinite" restart="never" nodeType="tmRoot"/>
-      </p:par>
-    </p:tnLst>
-  </p:timing>
 </p:sld>
 </file>
 
@@ -20924,10 +20267,9 @@
           <a:lstStyle/>
           <a:p>
             <a:r>
-              <a:rPr lang="en-GB" dirty="0" smtClean="0"/>
+              <a:rPr lang="en-GB" dirty="0"/>
               <a:t>Lean Thinking</a:t>
             </a:r>
-            <a:endParaRPr lang="en-GB" dirty="0"/>
           </a:p>
         </p:txBody>
       </p:sp>
@@ -20986,24 +20328,11 @@
               <a:rPr lang="en-GB" sz="1600" dirty="0"/>
               <a:t>, and others at Toyota in Japan. </a:t>
             </a:r>
-            <a:endParaRPr lang="en-GB" sz="1600" dirty="0" smtClean="0"/>
-          </a:p>
-          <a:p>
-            <a:r>
-              <a:rPr lang="en-GB" sz="1600" dirty="0" smtClean="0"/>
-              <a:t>Originally </a:t>
-            </a:r>
+          </a:p>
+          <a:p>
             <a:r>
               <a:rPr lang="en-GB" sz="1600" dirty="0"/>
-              <a:t>codified and published in </a:t>
-            </a:r>
-            <a:r>
-              <a:rPr lang="en-GB" sz="1600" dirty="0" smtClean="0"/>
-              <a:t>Womack</a:t>
-            </a:r>
-            <a:r>
-              <a:rPr lang="en-GB" sz="1600" dirty="0"/>
-              <a:t>, J.P., Jones, D.T. and </a:t>
+              <a:t>Originally codified and published in Womack, J.P., Jones, D.T. and </a:t>
             </a:r>
             <a:r>
               <a:rPr lang="en-GB" sz="1600" dirty="0" err="1"/>
@@ -21025,15 +20354,7 @@
           <a:p>
             <a:r>
               <a:rPr lang="en-GB" sz="1600" dirty="0"/>
-              <a:t>Further developed in </a:t>
-            </a:r>
-            <a:r>
-              <a:rPr lang="en-GB" sz="1600" dirty="0" smtClean="0"/>
-              <a:t>Womack</a:t>
-            </a:r>
-            <a:r>
-              <a:rPr lang="en-GB" sz="1600" dirty="0"/>
-              <a:t>, J.P., and Jones, D.T. (1996) </a:t>
+              <a:t>Further developed in Womack, J.P., and Jones, D.T. (1996) </a:t>
             </a:r>
             <a:r>
               <a:rPr lang="en-GB" sz="1600" i="1" dirty="0"/>
@@ -21041,13 +20362,8 @@
             </a:r>
             <a:r>
               <a:rPr lang="en-GB" sz="1600" dirty="0"/>
-              <a:t>1ed. New York: Simon &amp; Schuster</a:t>
-            </a:r>
-            <a:r>
-              <a:rPr lang="en-GB" sz="1600" dirty="0" smtClean="0"/>
-              <a:t>.</a:t>
-            </a:r>
-            <a:endParaRPr lang="en-GB" sz="1600" dirty="0"/>
+              <a:t>1ed. New York: Simon &amp; Schuster.</a:t>
+            </a:r>
           </a:p>
         </p:txBody>
       </p:sp>
@@ -21091,15 +20407,15 @@
               <a:buChar char="•"/>
             </a:pPr>
             <a:r>
-              <a:rPr lang="en-GB" sz="2400" dirty="0" smtClean="0"/>
+              <a:rPr lang="en-GB" sz="2400" dirty="0"/>
               <a:t>Maximise the amount of work </a:t>
             </a:r>
             <a:r>
-              <a:rPr lang="en-GB" sz="2400" b="1" dirty="0" smtClean="0"/>
+              <a:rPr lang="en-GB" sz="2400" b="1" dirty="0"/>
               <a:t>not</a:t>
             </a:r>
             <a:r>
-              <a:rPr lang="en-GB" sz="2400" dirty="0" smtClean="0"/>
+              <a:rPr lang="en-GB" sz="2400" dirty="0"/>
               <a:t> done (avoid unnecessary work)</a:t>
             </a:r>
           </a:p>
@@ -21109,7 +20425,7 @@
               <a:buChar char="•"/>
             </a:pPr>
             <a:r>
-              <a:rPr lang="en-GB" sz="2400" dirty="0" smtClean="0"/>
+              <a:rPr lang="en-GB" sz="2400" dirty="0"/>
               <a:t>Work smarter, not harder</a:t>
             </a:r>
           </a:p>
@@ -21118,13 +20434,7 @@
               <a:rPr lang="en-GB" sz="2400" dirty="0">
                 <a:hlinkClick r:id="rId2"/>
               </a:rPr>
-              <a:t>https://</a:t>
-            </a:r>
-            <a:r>
-              <a:rPr lang="en-GB" sz="2400" dirty="0" smtClean="0">
-                <a:hlinkClick r:id="rId2"/>
-              </a:rPr>
-              <a:t>www.youtube.com/watch?v=PXZPMAXniTs</a:t>
+              <a:t>https://www.youtube.com/watch?v=PXZPMAXniTs</a:t>
             </a:r>
             <a:endParaRPr lang="en-GB" sz="2400" dirty="0"/>
           </a:p>
@@ -21182,13 +20492,6 @@
   <p:clrMapOvr>
     <a:masterClrMapping/>
   </p:clrMapOvr>
-  <p:timing>
-    <p:tnLst>
-      <p:par>
-        <p:cTn id="1" dur="indefinite" restart="never" nodeType="tmRoot"/>
-      </p:par>
-    </p:tnLst>
-  </p:timing>
 </p:sld>
 </file>
 
@@ -21322,21 +20625,6 @@
   <p:clrMapOvr>
     <a:masterClrMapping/>
   </p:clrMapOvr>
-  <mc:AlternateContent xmlns:mc="http://schemas.openxmlformats.org/markup-compatibility/2006" xmlns:p14="http://schemas.microsoft.com/office/powerpoint/2010/main">
-    <mc:Choice Requires="p14">
-      <p:transition spd="slow" p14:dur="2000"/>
-    </mc:Choice>
-    <mc:Fallback xmlns="">
-      <p:transition spd="slow"/>
-    </mc:Fallback>
-  </mc:AlternateContent>
-  <p:timing>
-    <p:tnLst>
-      <p:par>
-        <p:cTn id="1" dur="indefinite" restart="never" nodeType="tmRoot"/>
-      </p:par>
-    </p:tnLst>
-  </p:timing>
 </p:sld>
 </file>
 
@@ -21481,21 +20769,6 @@
   <p:clrMapOvr>
     <a:masterClrMapping/>
   </p:clrMapOvr>
-  <mc:AlternateContent xmlns:mc="http://schemas.openxmlformats.org/markup-compatibility/2006" xmlns:p14="http://schemas.microsoft.com/office/powerpoint/2010/main">
-    <mc:Choice Requires="p14">
-      <p:transition spd="slow" p14:dur="2000"/>
-    </mc:Choice>
-    <mc:Fallback xmlns="">
-      <p:transition spd="slow"/>
-    </mc:Fallback>
-  </mc:AlternateContent>
-  <p:timing>
-    <p:tnLst>
-      <p:par>
-        <p:cTn id="1" dur="indefinite" restart="never" nodeType="tmRoot"/>
-      </p:par>
-    </p:tnLst>
-  </p:timing>
 </p:sld>
 </file>
 
@@ -21590,21 +20863,6 @@
   <p:clrMapOvr>
     <a:masterClrMapping/>
   </p:clrMapOvr>
-  <mc:AlternateContent xmlns:mc="http://schemas.openxmlformats.org/markup-compatibility/2006" xmlns:p14="http://schemas.microsoft.com/office/powerpoint/2010/main">
-    <mc:Choice Requires="p14">
-      <p:transition spd="slow" p14:dur="2000"/>
-    </mc:Choice>
-    <mc:Fallback xmlns="">
-      <p:transition spd="slow"/>
-    </mc:Fallback>
-  </mc:AlternateContent>
-  <p:timing>
-    <p:tnLst>
-      <p:par>
-        <p:cTn id="1" dur="indefinite" restart="never" nodeType="tmRoot"/>
-      </p:par>
-    </p:tnLst>
-  </p:timing>
 </p:sld>
 </file>
 
@@ -21710,21 +20968,6 @@
   <p:clrMapOvr>
     <a:masterClrMapping/>
   </p:clrMapOvr>
-  <mc:AlternateContent xmlns:mc="http://schemas.openxmlformats.org/markup-compatibility/2006" xmlns:p14="http://schemas.microsoft.com/office/powerpoint/2010/main">
-    <mc:Choice Requires="p14">
-      <p:transition spd="slow" p14:dur="2000"/>
-    </mc:Choice>
-    <mc:Fallback xmlns="">
-      <p:transition spd="slow"/>
-    </mc:Fallback>
-  </mc:AlternateContent>
-  <p:timing>
-    <p:tnLst>
-      <p:par>
-        <p:cTn id="1" dur="indefinite" restart="never" nodeType="tmRoot"/>
-      </p:par>
-    </p:tnLst>
-  </p:timing>
 </p:sld>
 </file>
 
@@ -21832,21 +21075,6 @@
   <p:clrMapOvr>
     <a:masterClrMapping/>
   </p:clrMapOvr>
-  <mc:AlternateContent xmlns:mc="http://schemas.openxmlformats.org/markup-compatibility/2006" xmlns:p14="http://schemas.microsoft.com/office/powerpoint/2010/main">
-    <mc:Choice Requires="p14">
-      <p:transition spd="slow" p14:dur="2000"/>
-    </mc:Choice>
-    <mc:Fallback xmlns="">
-      <p:transition spd="slow"/>
-    </mc:Fallback>
-  </mc:AlternateContent>
-  <p:timing>
-    <p:tnLst>
-      <p:par>
-        <p:cTn id="1" dur="indefinite" restart="never" nodeType="tmRoot"/>
-      </p:par>
-    </p:tnLst>
-  </p:timing>
 </p:sld>
 </file>
 
@@ -21884,13 +21112,8 @@
           <a:p>
             <a:r>
               <a:rPr lang="en-GB" dirty="0"/>
-              <a:t>Five Laws of </a:t>
-            </a:r>
-            <a:r>
-              <a:rPr lang="en-GB" dirty="0" smtClean="0"/>
-              <a:t>Lean (0-4)</a:t>
-            </a:r>
-            <a:endParaRPr lang="en-GB" dirty="0"/>
+              <a:t>Five Laws of Lean (0-4)</a:t>
+            </a:r>
           </a:p>
         </p:txBody>
       </p:sp>
@@ -21950,13 +21173,8 @@
             </a:pPr>
             <a:r>
               <a:rPr lang="en-GB" dirty="0"/>
-              <a:t>4. The Law of Complexity and </a:t>
-            </a:r>
-            <a:r>
-              <a:rPr lang="en-GB" dirty="0" smtClean="0"/>
-              <a:t>Cost</a:t>
-            </a:r>
-            <a:endParaRPr lang="en-GB" dirty="0"/>
+              <a:t>4. The Law of Complexity and Cost</a:t>
+            </a:r>
           </a:p>
         </p:txBody>
       </p:sp>
@@ -21970,13 +21188,6 @@
   <p:clrMapOvr>
     <a:masterClrMapping/>
   </p:clrMapOvr>
-  <p:timing>
-    <p:tnLst>
-      <p:par>
-        <p:cTn id="1" dur="indefinite" restart="never" nodeType="tmRoot"/>
-      </p:par>
-    </p:tnLst>
-  </p:timing>
 </p:sld>
 </file>
 
@@ -22013,10 +21224,9 @@
           <a:lstStyle/>
           <a:p>
             <a:r>
-              <a:rPr lang="en-GB" dirty="0" smtClean="0"/>
+              <a:rPr lang="en-GB" dirty="0"/>
               <a:t>Value</a:t>
             </a:r>
-            <a:endParaRPr lang="en-GB" dirty="0"/>
           </a:p>
         </p:txBody>
       </p:sp>
@@ -22039,7 +21249,7 @@
               <a:buNone/>
             </a:pPr>
             <a:r>
-              <a:rPr lang="en-GB" dirty="0" smtClean="0"/>
+              <a:rPr lang="en-GB" dirty="0"/>
               <a:t>We use this term in ITSM a lot. Who determines whether something is of value?</a:t>
             </a:r>
           </a:p>
@@ -22088,10 +21298,9 @@
           <a:p>
             <a:pPr algn="ctr"/>
             <a:r>
-              <a:rPr lang="en-GB" sz="2800" dirty="0" smtClean="0"/>
+              <a:rPr lang="en-GB" sz="2800" dirty="0"/>
               <a:t>The Customer</a:t>
             </a:r>
-            <a:endParaRPr lang="en-GB" sz="2800" dirty="0"/>
           </a:p>
         </p:txBody>
       </p:sp>
@@ -22131,7 +21340,7 @@
           <a:lstStyle/>
           <a:p>
             <a:r>
-              <a:rPr lang="en-GB" sz="2000" dirty="0" smtClean="0"/>
+              <a:rPr lang="en-GB" sz="2000" dirty="0"/>
               <a:t>A business can do things that produce short-term benefits:</a:t>
             </a:r>
           </a:p>
@@ -22141,7 +21350,7 @@
               <a:buChar char="•"/>
             </a:pPr>
             <a:r>
-              <a:rPr lang="en-GB" sz="2000" dirty="0" smtClean="0"/>
+              <a:rPr lang="en-GB" sz="2000" dirty="0"/>
               <a:t>Raise prices</a:t>
             </a:r>
           </a:p>
@@ -22151,7 +21360,7 @@
               <a:buChar char="•"/>
             </a:pPr>
             <a:r>
-              <a:rPr lang="en-GB" sz="2000" dirty="0" smtClean="0"/>
+              <a:rPr lang="en-GB" sz="2000" dirty="0"/>
               <a:t>Cut costs (without passing on savings to customers)</a:t>
             </a:r>
           </a:p>
@@ -22161,16 +21370,15 @@
               <a:buChar char="•"/>
             </a:pPr>
             <a:r>
-              <a:rPr lang="en-GB" sz="2000" dirty="0" smtClean="0"/>
+              <a:rPr lang="en-GB" sz="2000" dirty="0"/>
               <a:t>Use effort to make internal changes that make life easier (without helping customers)</a:t>
             </a:r>
           </a:p>
           <a:p>
             <a:r>
-              <a:rPr lang="en-GB" sz="2000" dirty="0" smtClean="0"/>
+              <a:rPr lang="en-GB" sz="2000" dirty="0"/>
               <a:t>None of these benefit customers, who will go elsewhere if they aren’t getting value</a:t>
             </a:r>
-            <a:endParaRPr lang="en-GB" sz="2000" dirty="0"/>
           </a:p>
         </p:txBody>
       </p:sp>
@@ -22210,7 +21418,7 @@
           <a:lstStyle/>
           <a:p>
             <a:r>
-              <a:rPr lang="en-GB" sz="2400" dirty="0" smtClean="0"/>
+              <a:rPr lang="en-GB" sz="2400" dirty="0"/>
               <a:t>Customers want value. They want something:</a:t>
             </a:r>
           </a:p>
@@ -22220,7 +21428,7 @@
               <a:buChar char="•"/>
             </a:pPr>
             <a:r>
-              <a:rPr lang="en-GB" sz="2400" dirty="0" smtClean="0"/>
+              <a:rPr lang="en-GB" sz="2400" dirty="0"/>
               <a:t>Of the desired quality</a:t>
             </a:r>
           </a:p>
@@ -22230,7 +21438,7 @@
               <a:buChar char="•"/>
             </a:pPr>
             <a:r>
-              <a:rPr lang="en-GB" sz="2400" dirty="0" smtClean="0"/>
+              <a:rPr lang="en-GB" sz="2400" dirty="0"/>
               <a:t>At the right time and place</a:t>
             </a:r>
           </a:p>
@@ -22240,10 +21448,9 @@
               <a:buChar char="•"/>
             </a:pPr>
             <a:r>
-              <a:rPr lang="en-GB" sz="2400" dirty="0" smtClean="0"/>
+              <a:rPr lang="en-GB" sz="2400" dirty="0"/>
               <a:t>At an appropriate price</a:t>
             </a:r>
-            <a:endParaRPr lang="en-GB" sz="2400" dirty="0"/>
           </a:p>
         </p:txBody>
       </p:sp>
@@ -22450,7 +21657,7 @@
           <a:lstStyle/>
           <a:p>
             <a:r>
-              <a:rPr lang="en-GB" dirty="0" err="1" smtClean="0"/>
+              <a:rPr lang="en-GB" dirty="0" err="1"/>
               <a:t>Muda</a:t>
             </a:r>
             <a:endParaRPr lang="en-GB" dirty="0"/>
@@ -22487,15 +21694,7 @@
             </a:r>
             <a:r>
               <a:rPr lang="en-GB" sz="2400" dirty="0"/>
-              <a:t> activities </a:t>
-            </a:r>
-            <a:r>
-              <a:rPr lang="en-GB" sz="2400" dirty="0" smtClean="0"/>
-              <a:t>absorb </a:t>
-            </a:r>
-            <a:r>
-              <a:rPr lang="en-GB" sz="2400" dirty="0"/>
-              <a:t>resources but add no value. Examples:</a:t>
+              <a:t> activities absorb resources but add no value. Examples:</a:t>
             </a:r>
           </a:p>
           <a:p>
@@ -22571,12 +21770,8 @@
           <a:lstStyle/>
           <a:p>
             <a:r>
-              <a:rPr lang="en-GB" sz="2800" dirty="0" smtClean="0"/>
-              <a:t>A Japanese </a:t>
-            </a:r>
-            <a:r>
               <a:rPr lang="en-GB" sz="2800" dirty="0"/>
-              <a:t>word meaning futility, uselessness, and wastefulness</a:t>
+              <a:t>A Japanese word meaning futility, uselessness, and wastefulness</a:t>
             </a:r>
           </a:p>
         </p:txBody>
@@ -22617,14 +21812,14 @@
           <a:lstStyle/>
           <a:p>
             <a:r>
-              <a:rPr lang="en-GB" sz="2000" b="1" dirty="0" smtClean="0"/>
+              <a:rPr lang="en-GB" sz="2000" b="1" dirty="0"/>
               <a:t>Type 1 </a:t>
             </a:r>
             <a:r>
-              <a:rPr lang="en-GB" sz="2000" b="1" dirty="0" err="1" smtClean="0"/>
+              <a:rPr lang="en-GB" sz="2000" b="1" dirty="0" err="1"/>
               <a:t>Muda</a:t>
             </a:r>
-            <a:endParaRPr lang="en-GB" sz="2000" b="1" dirty="0" smtClean="0"/>
+            <a:endParaRPr lang="en-GB" sz="2000" b="1" dirty="0"/>
           </a:p>
           <a:p>
             <a:r>
@@ -22670,14 +21865,14 @@
           <a:lstStyle/>
           <a:p>
             <a:r>
-              <a:rPr lang="en-GB" sz="2000" b="1" dirty="0" smtClean="0"/>
+              <a:rPr lang="en-GB" sz="2000" b="1" dirty="0"/>
               <a:t>Type 2 </a:t>
             </a:r>
             <a:r>
-              <a:rPr lang="en-GB" sz="2000" b="1" dirty="0" err="1" smtClean="0"/>
+              <a:rPr lang="en-GB" sz="2000" b="1" dirty="0" err="1"/>
               <a:t>Muda</a:t>
             </a:r>
-            <a:endParaRPr lang="en-GB" sz="2000" b="1" dirty="0" smtClean="0"/>
+            <a:endParaRPr lang="en-GB" sz="2000" b="1" dirty="0"/>
           </a:p>
           <a:p>
             <a:r>
@@ -22859,10 +22054,9 @@
           <a:lstStyle/>
           <a:p>
             <a:r>
-              <a:rPr lang="en-GB" dirty="0" smtClean="0"/>
+              <a:rPr lang="en-GB" dirty="0"/>
               <a:t>Business Relationship Managers</a:t>
             </a:r>
-            <a:endParaRPr lang="en-GB" dirty="0"/>
           </a:p>
         </p:txBody>
       </p:sp>
@@ -22902,42 +22096,41 @@
           <a:lstStyle/>
           <a:p>
             <a:r>
-              <a:rPr lang="en-GB" sz="2400" dirty="0" smtClean="0"/>
+              <a:rPr lang="en-GB" sz="2400" dirty="0"/>
               <a:t>In ITIL, what do BRMs do?</a:t>
             </a:r>
           </a:p>
           <a:p>
             <a:r>
-              <a:rPr lang="en-GB" sz="2400" dirty="0" smtClean="0"/>
+              <a:rPr lang="en-GB" sz="2400" dirty="0"/>
               <a:t>Among other things, they find out what the customer </a:t>
             </a:r>
             <a:r>
-              <a:rPr lang="en-GB" sz="2400" u="sng" dirty="0" smtClean="0"/>
+              <a:rPr lang="en-GB" sz="2400" u="sng" dirty="0"/>
               <a:t>really</a:t>
             </a:r>
             <a:r>
-              <a:rPr lang="en-GB" sz="2400" dirty="0" smtClean="0"/>
+              <a:rPr lang="en-GB" sz="2400" dirty="0"/>
               <a:t> wants, to make sure we are fulfilling their needs.</a:t>
             </a:r>
           </a:p>
           <a:p>
             <a:r>
-              <a:rPr lang="en-GB" sz="2400" i="1" dirty="0" smtClean="0"/>
+              <a:rPr lang="en-GB" sz="2400" i="1" dirty="0"/>
               <a:t>Not</a:t>
             </a:r>
             <a:r>
-              <a:rPr lang="en-GB" sz="2400" dirty="0" smtClean="0"/>
+              <a:rPr lang="en-GB" sz="2400" dirty="0"/>
               <a:t> telling them what </a:t>
             </a:r>
             <a:r>
-              <a:rPr lang="en-GB" sz="2400" i="1" dirty="0" smtClean="0"/>
+              <a:rPr lang="en-GB" sz="2400" i="1" dirty="0"/>
               <a:t>we think</a:t>
             </a:r>
             <a:r>
-              <a:rPr lang="en-GB" sz="2400" dirty="0" smtClean="0"/>
+              <a:rPr lang="en-GB" sz="2400" dirty="0"/>
               <a:t> they need</a:t>
             </a:r>
-            <a:endParaRPr lang="en-GB" sz="2400" dirty="0"/>
           </a:p>
         </p:txBody>
       </p:sp>
@@ -22977,30 +22170,29 @@
           <a:lstStyle/>
           <a:p>
             <a:r>
-              <a:rPr lang="en-GB" dirty="0" smtClean="0"/>
+              <a:rPr lang="en-GB" dirty="0"/>
               <a:t>Imagine a call to your mobile provider:</a:t>
             </a:r>
           </a:p>
           <a:p>
             <a:r>
-              <a:rPr lang="en-GB" dirty="0" smtClean="0"/>
+              <a:rPr lang="en-GB" dirty="0"/>
               <a:t>“If you pay just £3 extra per month then I can add our new ‘Track My Number of </a:t>
             </a:r>
             <a:r>
-              <a:rPr lang="en-GB" dirty="0" err="1" smtClean="0"/>
+              <a:rPr lang="en-GB" dirty="0" err="1"/>
               <a:t>Voicemails’</a:t>
             </a:r>
             <a:r>
-              <a:rPr lang="en-GB" dirty="0" smtClean="0"/>
+              <a:rPr lang="en-GB" dirty="0"/>
               <a:t> App. It is usually £4 per month! You’d find it really useful! It would help me hit my sales target and we spent a long time developing this app.”</a:t>
             </a:r>
           </a:p>
           <a:p>
             <a:r>
-              <a:rPr lang="en-GB" dirty="0" smtClean="0"/>
+              <a:rPr lang="en-GB" dirty="0"/>
               <a:t>This doesn’t add value for the customer</a:t>
             </a:r>
-            <a:endParaRPr lang="en-GB" dirty="0"/>
           </a:p>
         </p:txBody>
       </p:sp>
@@ -23040,29 +22232,20 @@
           <a:lstStyle/>
           <a:p>
             <a:r>
-              <a:rPr lang="en-GB" sz="2000" b="1" dirty="0" smtClean="0"/>
+              <a:rPr lang="en-GB" sz="2000" b="1" dirty="0"/>
               <a:t>Type 1 </a:t>
             </a:r>
             <a:r>
-              <a:rPr lang="en-GB" sz="2000" b="1" dirty="0" err="1" smtClean="0"/>
+              <a:rPr lang="en-GB" sz="2000" b="1" dirty="0" err="1"/>
               <a:t>Muda</a:t>
             </a:r>
-            <a:endParaRPr lang="en-GB" sz="2000" b="1" dirty="0" smtClean="0"/>
-          </a:p>
-          <a:p>
-            <a:r>
-              <a:rPr lang="en-GB" sz="2000" dirty="0" smtClean="0"/>
-              <a:t>Unavoidable </a:t>
-            </a:r>
+            <a:endParaRPr lang="en-GB" sz="2000" b="1" dirty="0"/>
+          </a:p>
+          <a:p>
             <a:r>
               <a:rPr lang="en-GB" sz="2000" dirty="0"/>
-              <a:t>with current </a:t>
-            </a:r>
-            <a:r>
-              <a:rPr lang="en-GB" sz="2000" dirty="0" smtClean="0"/>
-              <a:t>technologies</a:t>
-            </a:r>
-            <a:endParaRPr lang="en-GB" sz="2000" dirty="0"/>
+              <a:t>Unavoidable with current technologies</a:t>
+            </a:r>
           </a:p>
         </p:txBody>
       </p:sp>
@@ -23102,23 +22285,19 @@
           <a:lstStyle/>
           <a:p>
             <a:r>
-              <a:rPr lang="en-GB" sz="2000" b="1" dirty="0" smtClean="0"/>
+              <a:rPr lang="en-GB" sz="2000" b="1" dirty="0"/>
               <a:t>Type 2 </a:t>
             </a:r>
             <a:r>
-              <a:rPr lang="en-GB" sz="2000" b="1" dirty="0" err="1" smtClean="0"/>
+              <a:rPr lang="en-GB" sz="2000" b="1" dirty="0" err="1"/>
               <a:t>Muda</a:t>
             </a:r>
-            <a:endParaRPr lang="en-GB" sz="2000" b="1" dirty="0" smtClean="0"/>
-          </a:p>
-          <a:p>
-            <a:r>
-              <a:rPr lang="en-GB" sz="2000" dirty="0" smtClean="0"/>
-              <a:t>Immediately </a:t>
-            </a:r>
+            <a:endParaRPr lang="en-GB" sz="2000" b="1" dirty="0"/>
+          </a:p>
+          <a:p>
             <a:r>
               <a:rPr lang="en-GB" sz="2000" dirty="0"/>
-              <a:t>avoidable</a:t>
+              <a:t>Immediately avoidable</a:t>
             </a:r>
           </a:p>
         </p:txBody>
@@ -23159,24 +22338,23 @@
           <a:lstStyle/>
           <a:p>
             <a:r>
-              <a:rPr lang="en-GB" sz="2000" b="1" dirty="0" smtClean="0"/>
+              <a:rPr lang="en-GB" sz="2000" b="1" dirty="0"/>
               <a:t>Type 1 or Type 2 </a:t>
             </a:r>
             <a:r>
-              <a:rPr lang="en-GB" sz="2000" b="1" dirty="0" err="1" smtClean="0"/>
+              <a:rPr lang="en-GB" sz="2000" b="1" dirty="0" err="1"/>
               <a:t>Muda</a:t>
             </a:r>
             <a:r>
-              <a:rPr lang="en-GB" sz="2000" b="1" dirty="0" smtClean="0"/>
+              <a:rPr lang="en-GB" sz="2000" b="1" dirty="0"/>
               <a:t>?</a:t>
             </a:r>
           </a:p>
           <a:p>
             <a:r>
-              <a:rPr lang="en-GB" sz="2000" dirty="0" smtClean="0"/>
+              <a:rPr lang="en-GB" sz="2000" dirty="0"/>
               <a:t>Type 2</a:t>
             </a:r>
-            <a:endParaRPr lang="en-GB" sz="2000" dirty="0"/>
           </a:p>
         </p:txBody>
       </p:sp>
@@ -23254,16 +22432,15 @@
           <a:lstStyle/>
           <a:p>
             <a:r>
-              <a:rPr lang="en-GB" dirty="0" smtClean="0"/>
+              <a:rPr lang="en-GB" dirty="0"/>
               <a:t>Some businesses find it hard to specify value and focus on what is convenient for them, not the customer.</a:t>
             </a:r>
           </a:p>
           <a:p>
             <a:r>
-              <a:rPr lang="en-GB" dirty="0" smtClean="0"/>
+              <a:rPr lang="en-GB" dirty="0"/>
               <a:t>For example, creating ‘efficiency’ by producing large batches at a time</a:t>
             </a:r>
-            <a:endParaRPr lang="en-GB" dirty="0"/>
           </a:p>
         </p:txBody>
       </p:sp>
@@ -23729,15 +22906,7 @@
           <a:p>
             <a:r>
               <a:rPr lang="en-GB" dirty="0"/>
-              <a:t>0.  The zeroth law: </a:t>
-            </a:r>
-            <a:r>
-              <a:rPr lang="en-GB" dirty="0" smtClean="0"/>
-              <a:t>the </a:t>
-            </a:r>
-            <a:r>
-              <a:rPr lang="en-GB" dirty="0"/>
-              <a:t>Law of the Market</a:t>
+              <a:t>0.  The zeroth law: the Law of the Market</a:t>
             </a:r>
           </a:p>
         </p:txBody>
@@ -23763,32 +22932,16 @@
               <a:buNone/>
             </a:pPr>
             <a:r>
-              <a:rPr lang="en-GB" dirty="0" smtClean="0"/>
+              <a:rPr lang="en-GB" dirty="0"/>
               <a:t>“</a:t>
             </a:r>
             <a:r>
               <a:rPr lang="en-GB" i="1" dirty="0"/>
-              <a:t>Customer Critical To </a:t>
-            </a:r>
-            <a:r>
-              <a:rPr lang="en-GB" i="1" dirty="0" smtClean="0"/>
-              <a:t>Quality </a:t>
-            </a:r>
-            <a:r>
-              <a:rPr lang="en-GB" dirty="0" smtClean="0"/>
-              <a:t>defines </a:t>
+              <a:t>Customer Critical To Quality </a:t>
             </a:r>
             <a:r>
               <a:rPr lang="en-GB" dirty="0"/>
-              <a:t>quality and is the highest priority for improvement, followed by ROI (Return </a:t>
-            </a:r>
-            <a:r>
-              <a:rPr lang="en-GB" dirty="0" smtClean="0"/>
-              <a:t>On Investment</a:t>
-            </a:r>
-            <a:r>
-              <a:rPr lang="en-GB" dirty="0"/>
-              <a:t>) and net present value.”</a:t>
+              <a:t>defines quality and is the highest priority for improvement, followed by ROI (Return On Investment) and net present value.”</a:t>
             </a:r>
           </a:p>
           <a:p>
@@ -23836,34 +22989,22 @@
           <a:lstStyle/>
           <a:p>
             <a:r>
-              <a:rPr lang="en-GB" sz="2400" dirty="0" smtClean="0"/>
+              <a:rPr lang="en-GB" sz="2400" dirty="0"/>
               <a:t>We must define value properly, so that our focus is in the right place, </a:t>
             </a:r>
             <a:r>
-              <a:rPr lang="en-GB" sz="2400" dirty="0" err="1" smtClean="0"/>
+              <a:rPr lang="en-GB" sz="2400" dirty="0" err="1"/>
               <a:t>ie</a:t>
             </a:r>
             <a:r>
-              <a:rPr lang="en-GB" sz="2400" dirty="0" smtClean="0"/>
-              <a:t>. </a:t>
-            </a:r>
-            <a:r>
               <a:rPr lang="en-GB" sz="2400" dirty="0"/>
-              <a:t>customers are the highest </a:t>
-            </a:r>
-            <a:r>
-              <a:rPr lang="en-GB" sz="2400" dirty="0" smtClean="0"/>
-              <a:t>priority.</a:t>
-            </a:r>
-          </a:p>
-          <a:p>
-            <a:r>
-              <a:rPr lang="en-GB" sz="2400" dirty="0" smtClean="0"/>
-              <a:t>All </a:t>
-            </a:r>
+              <a:t>. customers are the highest priority.</a:t>
+            </a:r>
+          </a:p>
+          <a:p>
             <a:r>
               <a:rPr lang="en-GB" sz="2400" dirty="0"/>
-              <a:t>other principles are built upon this</a:t>
+              <a:t>All other principles are built upon this</a:t>
             </a:r>
           </a:p>
         </p:txBody>
@@ -23878,14 +23019,6 @@
   <p:clrMapOvr>
     <a:masterClrMapping/>
   </p:clrMapOvr>
-  <mc:AlternateContent xmlns:mc="http://schemas.openxmlformats.org/markup-compatibility/2006" xmlns:p14="http://schemas.microsoft.com/office/powerpoint/2010/main">
-    <mc:Choice Requires="p14">
-      <p:transition spd="slow" p14:dur="2000"/>
-    </mc:Choice>
-    <mc:Fallback xmlns="">
-      <p:transition spd="slow"/>
-    </mc:Fallback>
-  </mc:AlternateContent>
   <p:timing>
     <p:tnLst>
       <p:par>
@@ -24000,14 +23133,13 @@
           <a:lstStyle/>
           <a:p>
             <a:r>
-              <a:rPr lang="en-GB" smtClean="0"/>
+              <a:rPr lang="en-GB"/>
               <a:t>Mobile </a:t>
             </a:r>
             <a:r>
-              <a:rPr lang="en-GB" dirty="0" smtClean="0"/>
+              <a:rPr lang="en-GB" dirty="0"/>
               <a:t>phones</a:t>
             </a:r>
-            <a:endParaRPr lang="en-GB" dirty="0"/>
           </a:p>
         </p:txBody>
       </p:sp>
@@ -24030,7 +23162,7 @@
               <a:buNone/>
             </a:pPr>
             <a:r>
-              <a:rPr lang="en-GB" dirty="0" smtClean="0"/>
+              <a:rPr lang="en-GB" dirty="0"/>
               <a:t>How do customers think about screen size in terms of value? How has this changed over time?</a:t>
             </a:r>
           </a:p>
@@ -24072,10 +23204,9 @@
           <a:lstStyle/>
           <a:p>
             <a:r>
-              <a:rPr lang="en-GB" sz="2000" dirty="0" smtClean="0"/>
+              <a:rPr lang="en-GB" sz="2000" dirty="0"/>
               <a:t>We can work on improving things as much as we want. But are we working on the right things? Do they add value?</a:t>
             </a:r>
-            <a:endParaRPr lang="en-GB" sz="2000" dirty="0"/>
           </a:p>
         </p:txBody>
       </p:sp>
